--- a/MSCS/Semester 1/ACA/02 Instruction Level Parallelism DATA FLOW uArch.pptx
+++ b/MSCS/Semester 1/ACA/02 Instruction Level Parallelism DATA FLOW uArch.pptx
@@ -126,6 +126,22 @@
       </a:defRPr>
     </a:lvl9pPr>
   </p:defaultTextStyle>
+  <p:extLst>
+    <p:ext uri="{EFAFB233-063F-42B5-8137-9DF3F51BA10A}">
+      <p15:sldGuideLst xmlns:p15="http://schemas.microsoft.com/office/powerpoint/2012/main">
+        <p15:guide id="1" orient="horz" pos="2160">
+          <p15:clr>
+            <a:srgbClr val="A4A3A4"/>
+          </p15:clr>
+        </p15:guide>
+        <p15:guide id="2" pos="2880">
+          <p15:clr>
+            <a:srgbClr val="A4A3A4"/>
+          </p15:clr>
+        </p15:guide>
+      </p15:sldGuideLst>
+    </p:ext>
+  </p:extLst>
 </p:presentation>
 </file>
 
@@ -167,10 +183,9 @@
           <a:lstStyle/>
           <a:p>
             <a:r>
-              <a:rPr lang="en-US" smtClean="0"/>
+              <a:rPr lang="en-US"/>
               <a:t>Click to edit Master title style</a:t>
             </a:r>
-            <a:endParaRPr lang="en-US"/>
           </a:p>
         </p:txBody>
       </p:sp>
@@ -286,10 +301,9 @@
           </a:lstStyle>
           <a:p>
             <a:r>
-              <a:rPr lang="en-US" smtClean="0"/>
+              <a:rPr lang="en-US"/>
               <a:t>Click to edit Master subtitle style</a:t>
             </a:r>
-            <a:endParaRPr lang="en-US"/>
           </a:p>
         </p:txBody>
       </p:sp>
@@ -311,7 +325,7 @@
             <a:fld id="{1D8BD707-D9CF-40AE-B4C6-C98DA3205C09}" type="datetimeFigureOut">
               <a:rPr lang="en-US" smtClean="0"/>
               <a:pPr/>
-              <a:t>10/25/2020</a:t>
+              <a:t>2/4/2021</a:t>
             </a:fld>
             <a:endParaRPr lang="en-US"/>
           </a:p>
@@ -401,10 +415,9 @@
           <a:lstStyle/>
           <a:p>
             <a:r>
-              <a:rPr lang="en-US" smtClean="0"/>
+              <a:rPr lang="en-US"/>
               <a:t>Click to edit Master title style</a:t>
             </a:r>
-            <a:endParaRPr lang="en-US"/>
           </a:p>
         </p:txBody>
       </p:sp>
@@ -425,38 +438,37 @@
           <a:p>
             <a:pPr lvl="0"/>
             <a:r>
-              <a:rPr lang="en-US" smtClean="0"/>
+              <a:rPr lang="en-US"/>
               <a:t>Click to edit Master text styles</a:t>
             </a:r>
           </a:p>
           <a:p>
             <a:pPr lvl="1"/>
             <a:r>
-              <a:rPr lang="en-US" smtClean="0"/>
+              <a:rPr lang="en-US"/>
               <a:t>Second level</a:t>
             </a:r>
           </a:p>
           <a:p>
             <a:pPr lvl="2"/>
             <a:r>
-              <a:rPr lang="en-US" smtClean="0"/>
+              <a:rPr lang="en-US"/>
               <a:t>Third level</a:t>
             </a:r>
           </a:p>
           <a:p>
             <a:pPr lvl="3"/>
             <a:r>
-              <a:rPr lang="en-US" smtClean="0"/>
+              <a:rPr lang="en-US"/>
               <a:t>Fourth level</a:t>
             </a:r>
           </a:p>
           <a:p>
             <a:pPr lvl="4"/>
             <a:r>
-              <a:rPr lang="en-US" smtClean="0"/>
+              <a:rPr lang="en-US"/>
               <a:t>Fifth level</a:t>
             </a:r>
-            <a:endParaRPr lang="en-US"/>
           </a:p>
         </p:txBody>
       </p:sp>
@@ -478,7 +490,7 @@
             <a:fld id="{1D8BD707-D9CF-40AE-B4C6-C98DA3205C09}" type="datetimeFigureOut">
               <a:rPr lang="en-US" smtClean="0"/>
               <a:pPr/>
-              <a:t>10/25/2020</a:t>
+              <a:t>2/4/2021</a:t>
             </a:fld>
             <a:endParaRPr lang="en-US"/>
           </a:p>
@@ -573,10 +585,9 @@
           <a:lstStyle/>
           <a:p>
             <a:r>
-              <a:rPr lang="en-US" smtClean="0"/>
+              <a:rPr lang="en-US"/>
               <a:t>Click to edit Master title style</a:t>
             </a:r>
-            <a:endParaRPr lang="en-US"/>
           </a:p>
         </p:txBody>
       </p:sp>
@@ -602,38 +613,37 @@
           <a:p>
             <a:pPr lvl="0"/>
             <a:r>
-              <a:rPr lang="en-US" smtClean="0"/>
+              <a:rPr lang="en-US"/>
               <a:t>Click to edit Master text styles</a:t>
             </a:r>
           </a:p>
           <a:p>
             <a:pPr lvl="1"/>
             <a:r>
-              <a:rPr lang="en-US" smtClean="0"/>
+              <a:rPr lang="en-US"/>
               <a:t>Second level</a:t>
             </a:r>
           </a:p>
           <a:p>
             <a:pPr lvl="2"/>
             <a:r>
-              <a:rPr lang="en-US" smtClean="0"/>
+              <a:rPr lang="en-US"/>
               <a:t>Third level</a:t>
             </a:r>
           </a:p>
           <a:p>
             <a:pPr lvl="3"/>
             <a:r>
-              <a:rPr lang="en-US" smtClean="0"/>
+              <a:rPr lang="en-US"/>
               <a:t>Fourth level</a:t>
             </a:r>
           </a:p>
           <a:p>
             <a:pPr lvl="4"/>
             <a:r>
-              <a:rPr lang="en-US" smtClean="0"/>
+              <a:rPr lang="en-US"/>
               <a:t>Fifth level</a:t>
             </a:r>
-            <a:endParaRPr lang="en-US"/>
           </a:p>
         </p:txBody>
       </p:sp>
@@ -655,7 +665,7 @@
             <a:fld id="{1D8BD707-D9CF-40AE-B4C6-C98DA3205C09}" type="datetimeFigureOut">
               <a:rPr lang="en-US" smtClean="0"/>
               <a:pPr/>
-              <a:t>10/25/2020</a:t>
+              <a:t>2/4/2021</a:t>
             </a:fld>
             <a:endParaRPr lang="en-US"/>
           </a:p>
@@ -745,10 +755,9 @@
           <a:lstStyle/>
           <a:p>
             <a:r>
-              <a:rPr lang="en-US" smtClean="0"/>
+              <a:rPr lang="en-US"/>
               <a:t>Click to edit Master title style</a:t>
             </a:r>
-            <a:endParaRPr lang="en-US"/>
           </a:p>
         </p:txBody>
       </p:sp>
@@ -769,38 +778,37 @@
           <a:p>
             <a:pPr lvl="0"/>
             <a:r>
-              <a:rPr lang="en-US" smtClean="0"/>
+              <a:rPr lang="en-US"/>
               <a:t>Click to edit Master text styles</a:t>
             </a:r>
           </a:p>
           <a:p>
             <a:pPr lvl="1"/>
             <a:r>
-              <a:rPr lang="en-US" smtClean="0"/>
+              <a:rPr lang="en-US"/>
               <a:t>Second level</a:t>
             </a:r>
           </a:p>
           <a:p>
             <a:pPr lvl="2"/>
             <a:r>
-              <a:rPr lang="en-US" smtClean="0"/>
+              <a:rPr lang="en-US"/>
               <a:t>Third level</a:t>
             </a:r>
           </a:p>
           <a:p>
             <a:pPr lvl="3"/>
             <a:r>
-              <a:rPr lang="en-US" smtClean="0"/>
+              <a:rPr lang="en-US"/>
               <a:t>Fourth level</a:t>
             </a:r>
           </a:p>
           <a:p>
             <a:pPr lvl="4"/>
             <a:r>
-              <a:rPr lang="en-US" smtClean="0"/>
+              <a:rPr lang="en-US"/>
               <a:t>Fifth level</a:t>
             </a:r>
-            <a:endParaRPr lang="en-US"/>
           </a:p>
         </p:txBody>
       </p:sp>
@@ -822,7 +830,7 @@
             <a:fld id="{1D8BD707-D9CF-40AE-B4C6-C98DA3205C09}" type="datetimeFigureOut">
               <a:rPr lang="en-US" smtClean="0"/>
               <a:pPr/>
-              <a:t>10/25/2020</a:t>
+              <a:t>2/4/2021</a:t>
             </a:fld>
             <a:endParaRPr lang="en-US"/>
           </a:p>
@@ -921,10 +929,9 @@
           </a:lstStyle>
           <a:p>
             <a:r>
-              <a:rPr lang="en-US" smtClean="0"/>
+              <a:rPr lang="en-US"/>
               <a:t>Click to edit Master title style</a:t>
             </a:r>
-            <a:endParaRPr lang="en-US"/>
           </a:p>
         </p:txBody>
       </p:sp>
@@ -1041,7 +1048,7 @@
           <a:p>
             <a:pPr lvl="0"/>
             <a:r>
-              <a:rPr lang="en-US" smtClean="0"/>
+              <a:rPr lang="en-US"/>
               <a:t>Click to edit Master text styles</a:t>
             </a:r>
           </a:p>
@@ -1065,7 +1072,7 @@
             <a:fld id="{1D8BD707-D9CF-40AE-B4C6-C98DA3205C09}" type="datetimeFigureOut">
               <a:rPr lang="en-US" smtClean="0"/>
               <a:pPr/>
-              <a:t>10/25/2020</a:t>
+              <a:t>2/4/2021</a:t>
             </a:fld>
             <a:endParaRPr lang="en-US"/>
           </a:p>
@@ -1155,10 +1162,9 @@
           <a:lstStyle/>
           <a:p>
             <a:r>
-              <a:rPr lang="en-US" smtClean="0"/>
+              <a:rPr lang="en-US"/>
               <a:t>Click to edit Master title style</a:t>
             </a:r>
-            <a:endParaRPr lang="en-US"/>
           </a:p>
         </p:txBody>
       </p:sp>
@@ -1212,38 +1218,37 @@
           <a:p>
             <a:pPr lvl="0"/>
             <a:r>
-              <a:rPr lang="en-US" smtClean="0"/>
+              <a:rPr lang="en-US"/>
               <a:t>Click to edit Master text styles</a:t>
             </a:r>
           </a:p>
           <a:p>
             <a:pPr lvl="1"/>
             <a:r>
-              <a:rPr lang="en-US" smtClean="0"/>
+              <a:rPr lang="en-US"/>
               <a:t>Second level</a:t>
             </a:r>
           </a:p>
           <a:p>
             <a:pPr lvl="2"/>
             <a:r>
-              <a:rPr lang="en-US" smtClean="0"/>
+              <a:rPr lang="en-US"/>
               <a:t>Third level</a:t>
             </a:r>
           </a:p>
           <a:p>
             <a:pPr lvl="3"/>
             <a:r>
-              <a:rPr lang="en-US" smtClean="0"/>
+              <a:rPr lang="en-US"/>
               <a:t>Fourth level</a:t>
             </a:r>
           </a:p>
           <a:p>
             <a:pPr lvl="4"/>
             <a:r>
-              <a:rPr lang="en-US" smtClean="0"/>
+              <a:rPr lang="en-US"/>
               <a:t>Fifth level</a:t>
             </a:r>
-            <a:endParaRPr lang="en-US"/>
           </a:p>
         </p:txBody>
       </p:sp>
@@ -1297,38 +1302,37 @@
           <a:p>
             <a:pPr lvl="0"/>
             <a:r>
-              <a:rPr lang="en-US" smtClean="0"/>
+              <a:rPr lang="en-US"/>
               <a:t>Click to edit Master text styles</a:t>
             </a:r>
           </a:p>
           <a:p>
             <a:pPr lvl="1"/>
             <a:r>
-              <a:rPr lang="en-US" smtClean="0"/>
+              <a:rPr lang="en-US"/>
               <a:t>Second level</a:t>
             </a:r>
           </a:p>
           <a:p>
             <a:pPr lvl="2"/>
             <a:r>
-              <a:rPr lang="en-US" smtClean="0"/>
+              <a:rPr lang="en-US"/>
               <a:t>Third level</a:t>
             </a:r>
           </a:p>
           <a:p>
             <a:pPr lvl="3"/>
             <a:r>
-              <a:rPr lang="en-US" smtClean="0"/>
+              <a:rPr lang="en-US"/>
               <a:t>Fourth level</a:t>
             </a:r>
           </a:p>
           <a:p>
             <a:pPr lvl="4"/>
             <a:r>
-              <a:rPr lang="en-US" smtClean="0"/>
+              <a:rPr lang="en-US"/>
               <a:t>Fifth level</a:t>
             </a:r>
-            <a:endParaRPr lang="en-US"/>
           </a:p>
         </p:txBody>
       </p:sp>
@@ -1350,7 +1354,7 @@
             <a:fld id="{1D8BD707-D9CF-40AE-B4C6-C98DA3205C09}" type="datetimeFigureOut">
               <a:rPr lang="en-US" smtClean="0"/>
               <a:pPr/>
-              <a:t>10/25/2020</a:t>
+              <a:t>2/4/2021</a:t>
             </a:fld>
             <a:endParaRPr lang="en-US"/>
           </a:p>
@@ -1444,10 +1448,9 @@
           </a:lstStyle>
           <a:p>
             <a:r>
-              <a:rPr lang="en-US" smtClean="0"/>
+              <a:rPr lang="en-US"/>
               <a:t>Click to edit Master title style</a:t>
             </a:r>
-            <a:endParaRPr lang="en-US"/>
           </a:p>
         </p:txBody>
       </p:sp>
@@ -1510,7 +1513,7 @@
           <a:p>
             <a:pPr lvl="0"/>
             <a:r>
-              <a:rPr lang="en-US" smtClean="0"/>
+              <a:rPr lang="en-US"/>
               <a:t>Click to edit Master text styles</a:t>
             </a:r>
           </a:p>
@@ -1566,38 +1569,37 @@
           <a:p>
             <a:pPr lvl="0"/>
             <a:r>
-              <a:rPr lang="en-US" smtClean="0"/>
+              <a:rPr lang="en-US"/>
               <a:t>Click to edit Master text styles</a:t>
             </a:r>
           </a:p>
           <a:p>
             <a:pPr lvl="1"/>
             <a:r>
-              <a:rPr lang="en-US" smtClean="0"/>
+              <a:rPr lang="en-US"/>
               <a:t>Second level</a:t>
             </a:r>
           </a:p>
           <a:p>
             <a:pPr lvl="2"/>
             <a:r>
-              <a:rPr lang="en-US" smtClean="0"/>
+              <a:rPr lang="en-US"/>
               <a:t>Third level</a:t>
             </a:r>
           </a:p>
           <a:p>
             <a:pPr lvl="3"/>
             <a:r>
-              <a:rPr lang="en-US" smtClean="0"/>
+              <a:rPr lang="en-US"/>
               <a:t>Fourth level</a:t>
             </a:r>
           </a:p>
           <a:p>
             <a:pPr lvl="4"/>
             <a:r>
-              <a:rPr lang="en-US" smtClean="0"/>
+              <a:rPr lang="en-US"/>
               <a:t>Fifth level</a:t>
             </a:r>
-            <a:endParaRPr lang="en-US"/>
           </a:p>
         </p:txBody>
       </p:sp>
@@ -1660,7 +1662,7 @@
           <a:p>
             <a:pPr lvl="0"/>
             <a:r>
-              <a:rPr lang="en-US" smtClean="0"/>
+              <a:rPr lang="en-US"/>
               <a:t>Click to edit Master text styles</a:t>
             </a:r>
           </a:p>
@@ -1716,38 +1718,37 @@
           <a:p>
             <a:pPr lvl="0"/>
             <a:r>
-              <a:rPr lang="en-US" smtClean="0"/>
+              <a:rPr lang="en-US"/>
               <a:t>Click to edit Master text styles</a:t>
             </a:r>
           </a:p>
           <a:p>
             <a:pPr lvl="1"/>
             <a:r>
-              <a:rPr lang="en-US" smtClean="0"/>
+              <a:rPr lang="en-US"/>
               <a:t>Second level</a:t>
             </a:r>
           </a:p>
           <a:p>
             <a:pPr lvl="2"/>
             <a:r>
-              <a:rPr lang="en-US" smtClean="0"/>
+              <a:rPr lang="en-US"/>
               <a:t>Third level</a:t>
             </a:r>
           </a:p>
           <a:p>
             <a:pPr lvl="3"/>
             <a:r>
-              <a:rPr lang="en-US" smtClean="0"/>
+              <a:rPr lang="en-US"/>
               <a:t>Fourth level</a:t>
             </a:r>
           </a:p>
           <a:p>
             <a:pPr lvl="4"/>
             <a:r>
-              <a:rPr lang="en-US" smtClean="0"/>
+              <a:rPr lang="en-US"/>
               <a:t>Fifth level</a:t>
             </a:r>
-            <a:endParaRPr lang="en-US"/>
           </a:p>
         </p:txBody>
       </p:sp>
@@ -1769,7 +1770,7 @@
             <a:fld id="{1D8BD707-D9CF-40AE-B4C6-C98DA3205C09}" type="datetimeFigureOut">
               <a:rPr lang="en-US" smtClean="0"/>
               <a:pPr/>
-              <a:t>10/25/2020</a:t>
+              <a:t>2/4/2021</a:t>
             </a:fld>
             <a:endParaRPr lang="en-US"/>
           </a:p>
@@ -1859,10 +1860,9 @@
           <a:lstStyle/>
           <a:p>
             <a:r>
-              <a:rPr lang="en-US" smtClean="0"/>
+              <a:rPr lang="en-US"/>
               <a:t>Click to edit Master title style</a:t>
             </a:r>
-            <a:endParaRPr lang="en-US"/>
           </a:p>
         </p:txBody>
       </p:sp>
@@ -1884,7 +1884,7 @@
             <a:fld id="{1D8BD707-D9CF-40AE-B4C6-C98DA3205C09}" type="datetimeFigureOut">
               <a:rPr lang="en-US" smtClean="0"/>
               <a:pPr/>
-              <a:t>10/25/2020</a:t>
+              <a:t>2/4/2021</a:t>
             </a:fld>
             <a:endParaRPr lang="en-US"/>
           </a:p>
@@ -1976,7 +1976,7 @@
             <a:fld id="{1D8BD707-D9CF-40AE-B4C6-C98DA3205C09}" type="datetimeFigureOut">
               <a:rPr lang="en-US" smtClean="0"/>
               <a:pPr/>
-              <a:t>10/25/2020</a:t>
+              <a:t>2/4/2021</a:t>
             </a:fld>
             <a:endParaRPr lang="en-US"/>
           </a:p>
@@ -2075,10 +2075,9 @@
           </a:lstStyle>
           <a:p>
             <a:r>
-              <a:rPr lang="en-US" smtClean="0"/>
+              <a:rPr lang="en-US"/>
               <a:t>Click to edit Master title style</a:t>
             </a:r>
-            <a:endParaRPr lang="en-US"/>
           </a:p>
         </p:txBody>
       </p:sp>
@@ -2132,38 +2131,37 @@
           <a:p>
             <a:pPr lvl="0"/>
             <a:r>
-              <a:rPr lang="en-US" smtClean="0"/>
+              <a:rPr lang="en-US"/>
               <a:t>Click to edit Master text styles</a:t>
             </a:r>
           </a:p>
           <a:p>
             <a:pPr lvl="1"/>
             <a:r>
-              <a:rPr lang="en-US" smtClean="0"/>
+              <a:rPr lang="en-US"/>
               <a:t>Second level</a:t>
             </a:r>
           </a:p>
           <a:p>
             <a:pPr lvl="2"/>
             <a:r>
-              <a:rPr lang="en-US" smtClean="0"/>
+              <a:rPr lang="en-US"/>
               <a:t>Third level</a:t>
             </a:r>
           </a:p>
           <a:p>
             <a:pPr lvl="3"/>
             <a:r>
-              <a:rPr lang="en-US" smtClean="0"/>
+              <a:rPr lang="en-US"/>
               <a:t>Fourth level</a:t>
             </a:r>
           </a:p>
           <a:p>
             <a:pPr lvl="4"/>
             <a:r>
-              <a:rPr lang="en-US" smtClean="0"/>
+              <a:rPr lang="en-US"/>
               <a:t>Fifth level</a:t>
             </a:r>
-            <a:endParaRPr lang="en-US"/>
           </a:p>
         </p:txBody>
       </p:sp>
@@ -2226,7 +2224,7 @@
           <a:p>
             <a:pPr lvl="0"/>
             <a:r>
-              <a:rPr lang="en-US" smtClean="0"/>
+              <a:rPr lang="en-US"/>
               <a:t>Click to edit Master text styles</a:t>
             </a:r>
           </a:p>
@@ -2250,7 +2248,7 @@
             <a:fld id="{1D8BD707-D9CF-40AE-B4C6-C98DA3205C09}" type="datetimeFigureOut">
               <a:rPr lang="en-US" smtClean="0"/>
               <a:pPr/>
-              <a:t>10/25/2020</a:t>
+              <a:t>2/4/2021</a:t>
             </a:fld>
             <a:endParaRPr lang="en-US"/>
           </a:p>
@@ -2349,10 +2347,9 @@
           </a:lstStyle>
           <a:p>
             <a:r>
-              <a:rPr lang="en-US" smtClean="0"/>
+              <a:rPr lang="en-US"/>
               <a:t>Click to edit Master title style</a:t>
             </a:r>
-            <a:endParaRPr lang="en-US"/>
           </a:p>
         </p:txBody>
       </p:sp>
@@ -2476,7 +2473,7 @@
           <a:p>
             <a:pPr lvl="0"/>
             <a:r>
-              <a:rPr lang="en-US" smtClean="0"/>
+              <a:rPr lang="en-US"/>
               <a:t>Click to edit Master text styles</a:t>
             </a:r>
           </a:p>
@@ -2500,7 +2497,7 @@
             <a:fld id="{1D8BD707-D9CF-40AE-B4C6-C98DA3205C09}" type="datetimeFigureOut">
               <a:rPr lang="en-US" smtClean="0"/>
               <a:pPr/>
-              <a:t>10/25/2020</a:t>
+              <a:t>2/4/2021</a:t>
             </a:fld>
             <a:endParaRPr lang="en-US"/>
           </a:p>
@@ -2605,10 +2602,9 @@
           <a:lstStyle/>
           <a:p>
             <a:r>
-              <a:rPr lang="en-US" smtClean="0"/>
+              <a:rPr lang="en-US"/>
               <a:t>Click to edit Master title style</a:t>
             </a:r>
-            <a:endParaRPr lang="en-US"/>
           </a:p>
         </p:txBody>
       </p:sp>
@@ -2639,38 +2635,37 @@
           <a:p>
             <a:pPr lvl="0"/>
             <a:r>
-              <a:rPr lang="en-US" smtClean="0"/>
+              <a:rPr lang="en-US"/>
               <a:t>Click to edit Master text styles</a:t>
             </a:r>
           </a:p>
           <a:p>
             <a:pPr lvl="1"/>
             <a:r>
-              <a:rPr lang="en-US" smtClean="0"/>
+              <a:rPr lang="en-US"/>
               <a:t>Second level</a:t>
             </a:r>
           </a:p>
           <a:p>
             <a:pPr lvl="2"/>
             <a:r>
-              <a:rPr lang="en-US" smtClean="0"/>
+              <a:rPr lang="en-US"/>
               <a:t>Third level</a:t>
             </a:r>
           </a:p>
           <a:p>
             <a:pPr lvl="3"/>
             <a:r>
-              <a:rPr lang="en-US" smtClean="0"/>
+              <a:rPr lang="en-US"/>
               <a:t>Fourth level</a:t>
             </a:r>
           </a:p>
           <a:p>
             <a:pPr lvl="4"/>
             <a:r>
-              <a:rPr lang="en-US" smtClean="0"/>
+              <a:rPr lang="en-US"/>
               <a:t>Fifth level</a:t>
             </a:r>
-            <a:endParaRPr lang="en-US"/>
           </a:p>
         </p:txBody>
       </p:sp>
@@ -2710,7 +2705,7 @@
             <a:fld id="{1D8BD707-D9CF-40AE-B4C6-C98DA3205C09}" type="datetimeFigureOut">
               <a:rPr lang="en-US" smtClean="0"/>
               <a:pPr/>
-              <a:t>10/25/2020</a:t>
+              <a:t>2/4/2021</a:t>
             </a:fld>
             <a:endParaRPr lang="en-US"/>
           </a:p>
@@ -3099,11 +3094,11 @@
           <a:lstStyle/>
           <a:p>
             <a:r>
-              <a:rPr lang="en-US" dirty="0" smtClean="0"/>
+              <a:rPr lang="en-US" dirty="0"/>
               <a:t>Instruction Level Parallelism or Concurrency</a:t>
             </a:r>
             <a:br>
-              <a:rPr lang="en-US" dirty="0" smtClean="0"/>
+              <a:rPr lang="en-US" dirty="0"/>
             </a:br>
             <a:endParaRPr lang="en-US" dirty="0"/>
           </a:p>
@@ -3133,13 +3128,6 @@
   <p:clrMapOvr>
     <a:masterClrMapping/>
   </p:clrMapOvr>
-  <p:timing>
-    <p:tnLst>
-      <p:par>
-        <p:cTn id="1" dur="indefinite" restart="never" nodeType="tmRoot"/>
-      </p:par>
-    </p:tnLst>
-  </p:timing>
 </p:sld>
 </file>
 
@@ -3183,15 +3171,15 @@
           <a:lstStyle/>
           <a:p>
             <a:r>
-              <a:rPr lang="en-US" b="1" u="sng" dirty="0" smtClean="0"/>
+              <a:rPr lang="en-US" b="1" u="sng" dirty="0"/>
               <a:t>Solution of Linear Equations</a:t>
             </a:r>
             <a:r>
-              <a:rPr lang="en-US" b="1" dirty="0" smtClean="0"/>
+              <a:rPr lang="en-US" b="1" dirty="0"/>
               <a:t>:</a:t>
             </a:r>
             <a:r>
-              <a:rPr lang="en-US" b="1" u="sng" dirty="0" smtClean="0"/>
+              <a:rPr lang="en-US" b="1" u="sng" dirty="0"/>
               <a:t> </a:t>
             </a:r>
             <a:endParaRPr lang="en-US" dirty="0"/>
@@ -3221,35 +3209,29 @@
             <a:pPr>
               <a:buNone/>
             </a:pPr>
-            <a:endParaRPr lang="en-US" b="1" u="sng" dirty="0" smtClean="0"/>
+            <a:endParaRPr lang="en-US" b="1" u="sng" dirty="0"/>
           </a:p>
           <a:p>
             <a:pPr>
               <a:buNone/>
             </a:pPr>
-            <a:endParaRPr lang="en-US" b="1" u="sng" dirty="0" smtClean="0"/>
-          </a:p>
-          <a:p>
-            <a:pPr>
-              <a:buNone/>
-            </a:pPr>
-            <a:endParaRPr lang="en-US" b="1" u="sng" dirty="0" smtClean="0"/>
+            <a:endParaRPr lang="en-US" b="1" u="sng" dirty="0"/>
           </a:p>
           <a:p>
             <a:pPr>
               <a:buNone/>
             </a:pPr>
             <a:r>
-              <a:rPr lang="en-US" b="1" u="sng" dirty="0" smtClean="0"/>
+              <a:rPr lang="en-US" b="1" u="sng" dirty="0"/>
               <a:t>Using Cramer Rule:</a:t>
             </a:r>
-            <a:endParaRPr lang="en-US" dirty="0" smtClean="0"/>
+            <a:endParaRPr lang="en-US" dirty="0"/>
           </a:p>
           <a:p>
             <a:pPr>
               <a:buNone/>
             </a:pPr>
-            <a:endParaRPr lang="en-US" dirty="0" smtClean="0"/>
+            <a:endParaRPr lang="en-US" dirty="0"/>
           </a:p>
         </p:txBody>
       </p:sp>
@@ -3517,43 +3499,6 @@
           </a:p>
         </p:txBody>
       </p:sp>
-      <p:pic>
-        <p:nvPicPr>
-          <p:cNvPr id="2057" name="Picture 9"/>
-          <p:cNvPicPr>
-            <a:picLocks noChangeAspect="1" noChangeArrowheads="1"/>
-          </p:cNvPicPr>
-          <p:nvPr/>
-        </p:nvPicPr>
-        <p:blipFill>
-          <a:blip r:embed="rId4" cstate="print">
-            <a:clrChange>
-              <a:clrFrom>
-                <a:srgbClr val="FFFFFF"/>
-              </a:clrFrom>
-              <a:clrTo>
-                <a:srgbClr val="FFFFFF">
-                  <a:alpha val="0"/>
-                </a:srgbClr>
-              </a:clrTo>
-            </a:clrChange>
-          </a:blip>
-          <a:srcRect/>
-          <a:stretch>
-            <a:fillRect/>
-          </a:stretch>
-        </p:blipFill>
-        <p:spPr bwMode="auto">
-          <a:xfrm>
-            <a:off x="1750100" y="3778380"/>
-            <a:ext cx="2133600" cy="2032800"/>
-          </a:xfrm>
-          <a:prstGeom prst="rect">
-            <a:avLst/>
-          </a:prstGeom>
-          <a:noFill/>
-        </p:spPr>
-      </p:pic>
       <p:sp>
         <p:nvSpPr>
           <p:cNvPr id="2060" name="Rectangle 12"/>
@@ -3601,7 +3546,7 @@
           <p:nvPr/>
         </p:nvPicPr>
         <p:blipFill>
-          <a:blip r:embed="rId5" cstate="print">
+          <a:blip r:embed="rId4" cstate="print">
             <a:clrChange>
               <a:clrFrom>
                 <a:srgbClr val="FFFFFF"/>
@@ -3620,8 +3565,8 @@
         </p:blipFill>
         <p:spPr bwMode="auto">
           <a:xfrm>
-            <a:off x="5179099" y="3818073"/>
-            <a:ext cx="2133601" cy="1916907"/>
+            <a:off x="5106536" y="2771894"/>
+            <a:ext cx="1858006" cy="1669302"/>
           </a:xfrm>
           <a:prstGeom prst="rect">
             <a:avLst/>
@@ -3629,18 +3574,145 @@
           <a:noFill/>
         </p:spPr>
       </p:pic>
+      <p:pic>
+        <p:nvPicPr>
+          <p:cNvPr id="5" name="Picture 4">
+            <a:extLst>
+              <a:ext uri="{FF2B5EF4-FFF2-40B4-BE49-F238E27FC236}">
+                <a16:creationId xmlns:a16="http://schemas.microsoft.com/office/drawing/2014/main" id="{95AFC732-1C5D-475B-9796-2D10F3BC0342}"/>
+              </a:ext>
+            </a:extLst>
+          </p:cNvPr>
+          <p:cNvPicPr>
+            <a:picLocks noChangeAspect="1"/>
+          </p:cNvPicPr>
+          <p:nvPr/>
+        </p:nvPicPr>
+        <p:blipFill>
+          <a:blip r:embed="rId5"/>
+          <a:stretch>
+            <a:fillRect/>
+          </a:stretch>
+        </p:blipFill>
+        <p:spPr>
+          <a:xfrm>
+            <a:off x="1550613" y="2751144"/>
+            <a:ext cx="1802187" cy="1690051"/>
+          </a:xfrm>
+          <a:prstGeom prst="rect">
+            <a:avLst/>
+          </a:prstGeom>
+        </p:spPr>
+      </p:pic>
+      <p:sp>
+        <p:nvSpPr>
+          <p:cNvPr id="6" name="TextBox 5">
+            <a:extLst>
+              <a:ext uri="{FF2B5EF4-FFF2-40B4-BE49-F238E27FC236}">
+                <a16:creationId xmlns:a16="http://schemas.microsoft.com/office/drawing/2014/main" id="{97323F4B-ECEA-46F6-A678-683156F2ED7D}"/>
+              </a:ext>
+            </a:extLst>
+          </p:cNvPr>
+          <p:cNvSpPr txBox="1"/>
+          <p:nvPr/>
+        </p:nvSpPr>
+        <p:spPr>
+          <a:xfrm>
+            <a:off x="990600" y="4992572"/>
+            <a:ext cx="3707187" cy="523220"/>
+          </a:xfrm>
+          <a:prstGeom prst="rect">
+            <a:avLst/>
+          </a:prstGeom>
+          <a:noFill/>
+        </p:spPr>
+        <p:txBody>
+          <a:bodyPr wrap="square" rtlCol="0">
+            <a:spAutoFit/>
+          </a:bodyPr>
+          <a:lstStyle/>
+          <a:p>
+            <a:r>
+              <a:rPr lang="en-US" sz="2800" dirty="0">
+                <a:latin typeface="Times New Roman" panose="02020603050405020304" pitchFamily="18" charset="0"/>
+                <a:cs typeface="Times New Roman" panose="02020603050405020304" pitchFamily="18" charset="0"/>
+              </a:rPr>
+              <a:t>x = (</a:t>
+            </a:r>
+            <a:r>
+              <a:rPr lang="en-US" sz="2800" dirty="0" err="1">
+                <a:latin typeface="Times New Roman" panose="02020603050405020304" pitchFamily="18" charset="0"/>
+                <a:cs typeface="Times New Roman" panose="02020603050405020304" pitchFamily="18" charset="0"/>
+              </a:rPr>
+              <a:t>ce</a:t>
+            </a:r>
+            <a:r>
+              <a:rPr lang="en-US" sz="2800" dirty="0">
+                <a:latin typeface="Times New Roman" panose="02020603050405020304" pitchFamily="18" charset="0"/>
+                <a:cs typeface="Times New Roman" panose="02020603050405020304" pitchFamily="18" charset="0"/>
+              </a:rPr>
+              <a:t> - bf)/(ae - bd)</a:t>
+            </a:r>
+          </a:p>
+        </p:txBody>
+      </p:sp>
+      <p:sp>
+        <p:nvSpPr>
+          <p:cNvPr id="17" name="TextBox 16">
+            <a:extLst>
+              <a:ext uri="{FF2B5EF4-FFF2-40B4-BE49-F238E27FC236}">
+                <a16:creationId xmlns:a16="http://schemas.microsoft.com/office/drawing/2014/main" id="{D72C7562-8B3B-4A9D-8556-AB1B88969ECB}"/>
+              </a:ext>
+            </a:extLst>
+          </p:cNvPr>
+          <p:cNvSpPr txBox="1"/>
+          <p:nvPr/>
+        </p:nvSpPr>
+        <p:spPr>
+          <a:xfrm>
+            <a:off x="4697787" y="4992572"/>
+            <a:ext cx="3707187" cy="523220"/>
+          </a:xfrm>
+          <a:prstGeom prst="rect">
+            <a:avLst/>
+          </a:prstGeom>
+          <a:noFill/>
+        </p:spPr>
+        <p:txBody>
+          <a:bodyPr wrap="square" rtlCol="0">
+            <a:spAutoFit/>
+          </a:bodyPr>
+          <a:lstStyle/>
+          <a:p>
+            <a:r>
+              <a:rPr lang="en-US" sz="2800" dirty="0">
+                <a:latin typeface="Times New Roman" panose="02020603050405020304" pitchFamily="18" charset="0"/>
+                <a:cs typeface="Times New Roman" panose="02020603050405020304" pitchFamily="18" charset="0"/>
+              </a:rPr>
+              <a:t>y = (</a:t>
+            </a:r>
+            <a:r>
+              <a:rPr lang="en-US" sz="2800" dirty="0" err="1">
+                <a:latin typeface="Times New Roman" panose="02020603050405020304" pitchFamily="18" charset="0"/>
+                <a:cs typeface="Times New Roman" panose="02020603050405020304" pitchFamily="18" charset="0"/>
+              </a:rPr>
+              <a:t>af</a:t>
+            </a:r>
+            <a:r>
+              <a:rPr lang="en-US" sz="2800" dirty="0">
+                <a:latin typeface="Times New Roman" panose="02020603050405020304" pitchFamily="18" charset="0"/>
+                <a:cs typeface="Times New Roman" panose="02020603050405020304" pitchFamily="18" charset="0"/>
+              </a:rPr>
+              <a:t> - cd)/(ae - bd)</a:t>
+            </a:r>
+          </a:p>
+        </p:txBody>
+      </p:sp>
     </p:spTree>
   </p:cSld>
   <p:clrMapOvr>
     <a:masterClrMapping/>
   </p:clrMapOvr>
-  <p:timing>
-    <p:tnLst>
-      <p:par>
-        <p:cTn id="1" dur="indefinite" restart="never" nodeType="tmRoot"/>
-      </p:par>
-    </p:tnLst>
-  </p:timing>
 </p:sld>
 </file>
 
@@ -3698,13 +3770,6 @@
   <p:clrMapOvr>
     <a:masterClrMapping/>
   </p:clrMapOvr>
-  <p:timing>
-    <p:tnLst>
-      <p:par>
-        <p:cTn id="1" dur="indefinite" restart="never" nodeType="tmRoot"/>
-      </p:par>
-    </p:tnLst>
-  </p:timing>
 </p:sld>
 </file>
 
@@ -3748,7 +3813,7 @@
           <a:lstStyle/>
           <a:p>
             <a:r>
-              <a:rPr lang="en-US" b="1" dirty="0" smtClean="0"/>
+              <a:rPr lang="en-US" b="1" dirty="0"/>
               <a:t>Data Flow Table:</a:t>
             </a:r>
             <a:endParaRPr lang="en-US" dirty="0"/>
@@ -3772,12 +3837,48 @@
             <a:tbl>
               <a:tblPr/>
               <a:tblGrid>
-                <a:gridCol w="895489"/>
-                <a:gridCol w="1070694"/>
-                <a:gridCol w="1654707"/>
-                <a:gridCol w="1611447"/>
-                <a:gridCol w="1405961"/>
-                <a:gridCol w="1362701"/>
+                <a:gridCol w="895489">
+                  <a:extLst>
+                    <a:ext uri="{9D8B030D-6E8A-4147-A177-3AD203B41FA5}">
+                      <a16:colId xmlns:a16="http://schemas.microsoft.com/office/drawing/2014/main" val="20000"/>
+                    </a:ext>
+                  </a:extLst>
+                </a:gridCol>
+                <a:gridCol w="1070694">
+                  <a:extLst>
+                    <a:ext uri="{9D8B030D-6E8A-4147-A177-3AD203B41FA5}">
+                      <a16:colId xmlns:a16="http://schemas.microsoft.com/office/drawing/2014/main" val="20001"/>
+                    </a:ext>
+                  </a:extLst>
+                </a:gridCol>
+                <a:gridCol w="1654707">
+                  <a:extLst>
+                    <a:ext uri="{9D8B030D-6E8A-4147-A177-3AD203B41FA5}">
+                      <a16:colId xmlns:a16="http://schemas.microsoft.com/office/drawing/2014/main" val="20002"/>
+                    </a:ext>
+                  </a:extLst>
+                </a:gridCol>
+                <a:gridCol w="1611447">
+                  <a:extLst>
+                    <a:ext uri="{9D8B030D-6E8A-4147-A177-3AD203B41FA5}">
+                      <a16:colId xmlns:a16="http://schemas.microsoft.com/office/drawing/2014/main" val="20003"/>
+                    </a:ext>
+                  </a:extLst>
+                </a:gridCol>
+                <a:gridCol w="1405961">
+                  <a:extLst>
+                    <a:ext uri="{9D8B030D-6E8A-4147-A177-3AD203B41FA5}">
+                      <a16:colId xmlns:a16="http://schemas.microsoft.com/office/drawing/2014/main" val="20004"/>
+                    </a:ext>
+                  </a:extLst>
+                </a:gridCol>
+                <a:gridCol w="1362701">
+                  <a:extLst>
+                    <a:ext uri="{9D8B030D-6E8A-4147-A177-3AD203B41FA5}">
+                      <a16:colId xmlns:a16="http://schemas.microsoft.com/office/drawing/2014/main" val="20005"/>
+                    </a:ext>
+                  </a:extLst>
+                </a:gridCol>
               </a:tblGrid>
               <a:tr h="706580">
                 <a:tc>
@@ -3816,21 +3917,10 @@
                           <a:ea typeface="Calibri"/>
                           <a:cs typeface="Arial"/>
                         </a:rPr>
-                        <a:t> </a:t>
+                        <a:t> No</a:t>
                       </a:r>
                       <a:r>
-                        <a:rPr lang="en-US" sz="2000" b="1" dirty="0" smtClean="0">
-                          <a:solidFill>
-                            <a:srgbClr val="000000"/>
-                          </a:solidFill>
-                          <a:latin typeface="Times New Roman"/>
-                          <a:ea typeface="Calibri"/>
-                          <a:cs typeface="Arial"/>
-                        </a:rPr>
-                        <a:t>No</a:t>
-                      </a:r>
-                      <a:r>
-                        <a:rPr lang="en-US" sz="2000" b="1" baseline="0" dirty="0" smtClean="0">
+                        <a:rPr lang="en-US" sz="2000" b="1" baseline="0" dirty="0">
                           <a:solidFill>
                             <a:srgbClr val="000000"/>
                           </a:solidFill>
@@ -3841,7 +3931,7 @@
                         <a:t> </a:t>
                       </a:r>
                       <a:r>
-                        <a:rPr lang="en-US" sz="2000" b="1" dirty="0" smtClean="0">
+                        <a:rPr lang="en-US" sz="2000" b="1" dirty="0">
                           <a:solidFill>
                             <a:srgbClr val="000000"/>
                           </a:solidFill>
@@ -3914,7 +4004,7 @@
                         </a:spcAft>
                       </a:pPr>
                       <a:r>
-                        <a:rPr lang="en-US" sz="2000" b="1" dirty="0" smtClean="0">
+                        <a:rPr lang="en-US" sz="2000" b="1" dirty="0">
                           <a:solidFill>
                             <a:srgbClr val="000000"/>
                           </a:solidFill>
@@ -3987,7 +4077,7 @@
                         </a:spcAft>
                       </a:pPr>
                       <a:r>
-                        <a:rPr lang="en-US" sz="2000" b="1" dirty="0" err="1" smtClean="0">
+                        <a:rPr lang="en-US" sz="2000" b="1" dirty="0" err="1">
                           <a:solidFill>
                             <a:srgbClr val="000000"/>
                           </a:solidFill>
@@ -3998,17 +4088,6 @@
                         <a:t>Dest</a:t>
                       </a:r>
                       <a:r>
-                        <a:rPr lang="en-US" sz="2000" b="1" dirty="0" smtClean="0">
-                          <a:solidFill>
-                            <a:srgbClr val="000000"/>
-                          </a:solidFill>
-                          <a:latin typeface="Times New Roman"/>
-                          <a:ea typeface="Calibri"/>
-                          <a:cs typeface="Arial"/>
-                        </a:rPr>
-                        <a:t> </a:t>
-                      </a:r>
-                      <a:r>
                         <a:rPr lang="en-US" sz="2000" b="1" dirty="0">
                           <a:solidFill>
                             <a:srgbClr val="000000"/>
@@ -4017,7 +4096,7 @@
                           <a:ea typeface="Calibri"/>
                           <a:cs typeface="Arial"/>
                         </a:rPr>
-                        <a:t>1</a:t>
+                        <a:t> 1</a:t>
                       </a:r>
                       <a:endParaRPr lang="en-US" sz="2000" dirty="0">
                         <a:latin typeface="Calibri"/>
@@ -4082,7 +4161,7 @@
                         </a:spcAft>
                       </a:pPr>
                       <a:r>
-                        <a:rPr lang="en-US" sz="2000" b="1" dirty="0" err="1" smtClean="0">
+                        <a:rPr lang="en-US" sz="2000" b="1" dirty="0" err="1">
                           <a:solidFill>
                             <a:srgbClr val="000000"/>
                           </a:solidFill>
@@ -4093,17 +4172,6 @@
                         <a:t>Dest</a:t>
                       </a:r>
                       <a:r>
-                        <a:rPr lang="en-US" sz="2000" b="1" dirty="0" smtClean="0">
-                          <a:solidFill>
-                            <a:srgbClr val="000000"/>
-                          </a:solidFill>
-                          <a:latin typeface="Times New Roman"/>
-                          <a:ea typeface="Calibri"/>
-                          <a:cs typeface="Arial"/>
-                        </a:rPr>
-                        <a:t> </a:t>
-                      </a:r>
-                      <a:r>
                         <a:rPr lang="en-US" sz="2000" b="1" dirty="0">
                           <a:solidFill>
                             <a:srgbClr val="000000"/>
@@ -4112,7 +4180,7 @@
                           <a:ea typeface="Calibri"/>
                           <a:cs typeface="Arial"/>
                         </a:rPr>
-                        <a:t>2</a:t>
+                        <a:t> 2</a:t>
                       </a:r>
                       <a:endParaRPr lang="en-US" sz="2000" dirty="0">
                         <a:latin typeface="Calibri"/>
@@ -4306,6 +4374,11 @@
                     </a:lnB>
                   </a:tcPr>
                 </a:tc>
+                <a:extLst>
+                  <a:ext uri="{0D108BD9-81ED-4DB2-BD59-A6C34878D82A}">
+                    <a16:rowId xmlns:a16="http://schemas.microsoft.com/office/drawing/2014/main" val="10000"/>
+                  </a:ext>
+                </a:extLst>
               </a:tr>
               <a:tr h="413312">
                 <a:tc>
@@ -4735,6 +4808,11 @@
                     </a:lnB>
                   </a:tcPr>
                 </a:tc>
+                <a:extLst>
+                  <a:ext uri="{0D108BD9-81ED-4DB2-BD59-A6C34878D82A}">
+                    <a16:rowId xmlns:a16="http://schemas.microsoft.com/office/drawing/2014/main" val="10001"/>
+                  </a:ext>
+                </a:extLst>
               </a:tr>
               <a:tr h="413312">
                 <a:tc>
@@ -5164,6 +5242,11 @@
                     </a:lnB>
                   </a:tcPr>
                 </a:tc>
+                <a:extLst>
+                  <a:ext uri="{0D108BD9-81ED-4DB2-BD59-A6C34878D82A}">
+                    <a16:rowId xmlns:a16="http://schemas.microsoft.com/office/drawing/2014/main" val="10002"/>
+                  </a:ext>
+                </a:extLst>
               </a:tr>
               <a:tr h="413312">
                 <a:tc>
@@ -5593,6 +5676,11 @@
                     </a:lnB>
                   </a:tcPr>
                 </a:tc>
+                <a:extLst>
+                  <a:ext uri="{0D108BD9-81ED-4DB2-BD59-A6C34878D82A}">
+                    <a16:rowId xmlns:a16="http://schemas.microsoft.com/office/drawing/2014/main" val="10003"/>
+                  </a:ext>
+                </a:extLst>
               </a:tr>
               <a:tr h="413312">
                 <a:tc>
@@ -6022,6 +6110,11 @@
                     </a:lnB>
                   </a:tcPr>
                 </a:tc>
+                <a:extLst>
+                  <a:ext uri="{0D108BD9-81ED-4DB2-BD59-A6C34878D82A}">
+                    <a16:rowId xmlns:a16="http://schemas.microsoft.com/office/drawing/2014/main" val="10004"/>
+                  </a:ext>
+                </a:extLst>
               </a:tr>
               <a:tr h="413312">
                 <a:tc>
@@ -6451,6 +6544,11 @@
                     </a:lnB>
                   </a:tcPr>
                 </a:tc>
+                <a:extLst>
+                  <a:ext uri="{0D108BD9-81ED-4DB2-BD59-A6C34878D82A}">
+                    <a16:rowId xmlns:a16="http://schemas.microsoft.com/office/drawing/2014/main" val="10005"/>
+                  </a:ext>
+                </a:extLst>
               </a:tr>
               <a:tr h="413312">
                 <a:tc>
@@ -6880,6 +6978,11 @@
                     </a:lnB>
                   </a:tcPr>
                 </a:tc>
+                <a:extLst>
+                  <a:ext uri="{0D108BD9-81ED-4DB2-BD59-A6C34878D82A}">
+                    <a16:rowId xmlns:a16="http://schemas.microsoft.com/office/drawing/2014/main" val="10006"/>
+                  </a:ext>
+                </a:extLst>
               </a:tr>
               <a:tr h="413312">
                 <a:tc>
@@ -7309,6 +7412,11 @@
                     </a:lnB>
                   </a:tcPr>
                 </a:tc>
+                <a:extLst>
+                  <a:ext uri="{0D108BD9-81ED-4DB2-BD59-A6C34878D82A}">
+                    <a16:rowId xmlns:a16="http://schemas.microsoft.com/office/drawing/2014/main" val="10007"/>
+                  </a:ext>
+                </a:extLst>
               </a:tr>
               <a:tr h="413312">
                 <a:tc>
@@ -7738,6 +7846,11 @@
                     </a:lnB>
                   </a:tcPr>
                 </a:tc>
+                <a:extLst>
+                  <a:ext uri="{0D108BD9-81ED-4DB2-BD59-A6C34878D82A}">
+                    <a16:rowId xmlns:a16="http://schemas.microsoft.com/office/drawing/2014/main" val="10008"/>
+                  </a:ext>
+                </a:extLst>
               </a:tr>
               <a:tr h="413312">
                 <a:tc>
@@ -8178,6 +8291,11 @@
                     </a:lnB>
                   </a:tcPr>
                 </a:tc>
+                <a:extLst>
+                  <a:ext uri="{0D108BD9-81ED-4DB2-BD59-A6C34878D82A}">
+                    <a16:rowId xmlns:a16="http://schemas.microsoft.com/office/drawing/2014/main" val="10009"/>
+                  </a:ext>
+                </a:extLst>
               </a:tr>
               <a:tr h="413312">
                 <a:tc>
@@ -8607,6 +8725,11 @@
                     </a:lnB>
                   </a:tcPr>
                 </a:tc>
+                <a:extLst>
+                  <a:ext uri="{0D108BD9-81ED-4DB2-BD59-A6C34878D82A}">
+                    <a16:rowId xmlns:a16="http://schemas.microsoft.com/office/drawing/2014/main" val="10010"/>
+                  </a:ext>
+                </a:extLst>
               </a:tr>
               <a:tr h="413312">
                 <a:tc>
@@ -9036,6 +9159,11 @@
                     </a:lnB>
                   </a:tcPr>
                 </a:tc>
+                <a:extLst>
+                  <a:ext uri="{0D108BD9-81ED-4DB2-BD59-A6C34878D82A}">
+                    <a16:rowId xmlns:a16="http://schemas.microsoft.com/office/drawing/2014/main" val="10011"/>
+                  </a:ext>
+                </a:extLst>
               </a:tr>
               <a:tr h="413312">
                 <a:tc>
@@ -9454,6 +9582,11 @@
                     </a:lnB>
                   </a:tcPr>
                 </a:tc>
+                <a:extLst>
+                  <a:ext uri="{0D108BD9-81ED-4DB2-BD59-A6C34878D82A}">
+                    <a16:rowId xmlns:a16="http://schemas.microsoft.com/office/drawing/2014/main" val="10012"/>
+                  </a:ext>
+                </a:extLst>
               </a:tr>
             </a:tbl>
           </a:graphicData>
@@ -9464,13 +9597,6 @@
   <p:clrMapOvr>
     <a:masterClrMapping/>
   </p:clrMapOvr>
-  <p:timing>
-    <p:tnLst>
-      <p:par>
-        <p:cTn id="1" dur="indefinite" restart="never" nodeType="tmRoot"/>
-      </p:par>
-    </p:tnLst>
-  </p:timing>
 </p:sld>
 </file>
 
@@ -9509,15 +9635,11 @@
           <a:lstStyle/>
           <a:p>
             <a:r>
-              <a:rPr lang="en-US" sz="4900" b="1" dirty="0" smtClean="0"/>
+              <a:rPr lang="en-US" sz="4900" b="1" dirty="0"/>
               <a:t>Static Data flow</a:t>
             </a:r>
-            <a:r>
-              <a:rPr lang="en-US" dirty="0" smtClean="0"/>
-              <a:t/>
-            </a:r>
             <a:br>
-              <a:rPr lang="en-US" dirty="0" smtClean="0"/>
+              <a:rPr lang="en-US" dirty="0"/>
             </a:br>
             <a:endParaRPr lang="en-US" dirty="0"/>
           </a:p>
@@ -9546,7 +9668,7 @@
           <a:lstStyle/>
           <a:p>
             <a:r>
-              <a:rPr lang="en-US" sz="2800" dirty="0" smtClean="0">
+              <a:rPr lang="en-US" sz="2800" dirty="0">
                 <a:latin typeface="Verdana" pitchFamily="34" charset="0"/>
                 <a:ea typeface="Verdana" pitchFamily="34" charset="0"/>
                 <a:cs typeface="Verdana" pitchFamily="34" charset="0"/>
@@ -9556,7 +9678,7 @@
           </a:p>
           <a:p>
             <a:r>
-              <a:rPr lang="en-US" sz="2800" dirty="0" smtClean="0">
+              <a:rPr lang="en-US" sz="2800" dirty="0">
                 <a:latin typeface="Verdana" pitchFamily="34" charset="0"/>
                 <a:ea typeface="Verdana" pitchFamily="34" charset="0"/>
                 <a:cs typeface="Verdana" pitchFamily="34" charset="0"/>
@@ -9568,7 +9690,7 @@
             <a:pPr>
               <a:buNone/>
             </a:pPr>
-            <a:endParaRPr lang="en-US" sz="2800" dirty="0" smtClean="0">
+            <a:endParaRPr lang="en-US" sz="2800" dirty="0">
               <a:latin typeface="Verdana" pitchFamily="34" charset="0"/>
               <a:ea typeface="Verdana" pitchFamily="34" charset="0"/>
               <a:cs typeface="Verdana" pitchFamily="34" charset="0"/>
@@ -9576,7 +9698,7 @@
           </a:p>
           <a:p>
             <a:r>
-              <a:rPr lang="en-US" sz="2800" dirty="0" smtClean="0">
+              <a:rPr lang="en-US" sz="2800" dirty="0">
                 <a:latin typeface="Verdana" pitchFamily="34" charset="0"/>
                 <a:ea typeface="Verdana" pitchFamily="34" charset="0"/>
                 <a:cs typeface="Verdana" pitchFamily="34" charset="0"/>
@@ -9584,7 +9706,7 @@
               <a:t>Dennis and </a:t>
             </a:r>
             <a:r>
-              <a:rPr lang="en-US" sz="2800" dirty="0" err="1" smtClean="0">
+              <a:rPr lang="en-US" sz="2800" dirty="0" err="1">
                 <a:latin typeface="Verdana" pitchFamily="34" charset="0"/>
                 <a:ea typeface="Verdana" pitchFamily="34" charset="0"/>
                 <a:cs typeface="Verdana" pitchFamily="34" charset="0"/>
@@ -9592,7 +9714,7 @@
               <a:t>Misunas</a:t>
             </a:r>
             <a:r>
-              <a:rPr lang="en-US" sz="2800" dirty="0" smtClean="0">
+              <a:rPr lang="en-US" sz="2800" dirty="0">
                 <a:latin typeface="Verdana" pitchFamily="34" charset="0"/>
                 <a:ea typeface="Verdana" pitchFamily="34" charset="0"/>
                 <a:cs typeface="Verdana" pitchFamily="34" charset="0"/>
@@ -9600,7 +9722,7 @@
               <a:t>, “A Preliminary Architecture for a Basic </a:t>
             </a:r>
             <a:r>
-              <a:rPr lang="pt-BR" sz="2800" dirty="0" smtClean="0">
+              <a:rPr lang="pt-BR" sz="2800" dirty="0">
                 <a:latin typeface="Verdana" pitchFamily="34" charset="0"/>
                 <a:ea typeface="Verdana" pitchFamily="34" charset="0"/>
                 <a:cs typeface="Verdana" pitchFamily="34" charset="0"/>
@@ -9620,13 +9742,6 @@
   <p:clrMapOvr>
     <a:masterClrMapping/>
   </p:clrMapOvr>
-  <p:timing>
-    <p:tnLst>
-      <p:par>
-        <p:cTn id="1" dur="indefinite" restart="never" nodeType="tmRoot"/>
-      </p:par>
-    </p:tnLst>
-  </p:timing>
 </p:sld>
 </file>
 
@@ -9670,19 +9785,19 @@
           <a:lstStyle/>
           <a:p>
             <a:r>
-              <a:rPr lang="en-US" sz="3600" b="1" dirty="0" smtClean="0"/>
+              <a:rPr lang="en-US" sz="3600" b="1" dirty="0"/>
               <a:t>DATA FLOW</a:t>
             </a:r>
           </a:p>
           <a:p>
             <a:r>
-              <a:rPr lang="en-US" sz="3600" b="1" dirty="0" smtClean="0"/>
+              <a:rPr lang="en-US" sz="3600" b="1" dirty="0"/>
               <a:t>GRAPH</a:t>
             </a:r>
           </a:p>
           <a:p>
             <a:r>
-              <a:rPr lang="en-US" sz="3600" b="1" dirty="0" smtClean="0"/>
+              <a:rPr lang="en-US" sz="3600" b="1" dirty="0"/>
               <a:t>EXAMPLE</a:t>
             </a:r>
             <a:endParaRPr lang="en-US" sz="2800" b="1" dirty="0"/>
@@ -9726,13 +9841,6 @@
   <p:clrMapOvr>
     <a:masterClrMapping/>
   </p:clrMapOvr>
-  <p:timing>
-    <p:tnLst>
-      <p:par>
-        <p:cTn id="1" dur="indefinite" restart="never" nodeType="tmRoot"/>
-      </p:par>
-    </p:tnLst>
-  </p:timing>
 </p:sld>
 </file>
 
@@ -9777,17 +9885,16 @@
           <a:p>
             <a:pPr algn="l"/>
             <a:r>
-              <a:rPr lang="en-US" sz="5400" b="1" dirty="0" smtClean="0"/>
+              <a:rPr lang="en-US" sz="5400" b="1" dirty="0"/>
               <a:t>Data Flow </a:t>
             </a:r>
             <a:br>
-              <a:rPr lang="en-US" sz="5400" b="1" dirty="0" smtClean="0"/>
+              <a:rPr lang="en-US" sz="5400" b="1" dirty="0"/>
             </a:br>
             <a:r>
-              <a:rPr lang="en-US" sz="5400" b="1" dirty="0" smtClean="0"/>
+              <a:rPr lang="en-US" sz="5400" b="1" dirty="0"/>
               <a:t>Example</a:t>
             </a:r>
-            <a:endParaRPr lang="en-US" sz="5400" b="1" dirty="0"/>
           </a:p>
         </p:txBody>
       </p:sp>
@@ -9960,7 +10067,7 @@
                       <a:tabLst/>
                     </a:pPr>
                     <a:r>
-                      <a:rPr kumimoji="0" lang="en-US" sz="2000" b="1" i="0" u="none" strike="noStrike" cap="none" normalizeH="0" baseline="0" dirty="0" smtClean="0">
+                      <a:rPr kumimoji="0" lang="en-US" sz="2000" b="1" i="0" u="none" strike="noStrike" cap="none" normalizeH="0" baseline="0" dirty="0">
                         <a:ln>
                           <a:noFill/>
                         </a:ln>
@@ -9974,7 +10081,7 @@
                       </a:rPr>
                       <a:t>&lt;</a:t>
                     </a:r>
-                    <a:endParaRPr kumimoji="0" lang="en-US" sz="1800" b="0" i="0" u="none" strike="noStrike" cap="none" normalizeH="0" baseline="0" dirty="0" smtClean="0">
+                    <a:endParaRPr kumimoji="0" lang="en-US" sz="1800" b="0" i="0" u="none" strike="noStrike" cap="none" normalizeH="0" baseline="0" dirty="0">
                       <a:ln>
                         <a:noFill/>
                       </a:ln>
@@ -10292,7 +10399,7 @@
                           <a:tabLst/>
                         </a:pPr>
                         <a:r>
-                          <a:rPr kumimoji="0" lang="en-US" sz="1600" b="1" i="0" u="none" strike="noStrike" cap="none" normalizeH="0" baseline="0" dirty="0" smtClean="0">
+                          <a:rPr kumimoji="0" lang="en-US" sz="1600" b="1" i="0" u="none" strike="noStrike" cap="none" normalizeH="0" baseline="0" dirty="0">
                             <a:ln>
                               <a:noFill/>
                             </a:ln>
@@ -10306,7 +10413,7 @@
                           </a:rPr>
                           <a:t>T           F</a:t>
                         </a:r>
-                        <a:endParaRPr kumimoji="0" lang="en-US" sz="4000" b="0" i="0" u="none" strike="noStrike" cap="none" normalizeH="0" baseline="0" dirty="0" smtClean="0">
+                        <a:endParaRPr kumimoji="0" lang="en-US" sz="4000" b="0" i="0" u="none" strike="noStrike" cap="none" normalizeH="0" baseline="0" dirty="0">
                           <a:ln>
                             <a:noFill/>
                           </a:ln>
@@ -10472,7 +10579,7 @@
                         <a:tabLst/>
                       </a:pPr>
                       <a:r>
-                        <a:rPr kumimoji="0" lang="en-US" sz="2000" b="1" i="0" u="none" strike="noStrike" cap="none" normalizeH="0" baseline="0" dirty="0" smtClean="0">
+                        <a:rPr kumimoji="0" lang="en-US" sz="2000" b="1" i="0" u="none" strike="noStrike" cap="none" normalizeH="0" baseline="0" dirty="0">
                           <a:ln>
                             <a:noFill/>
                           </a:ln>
@@ -10486,7 +10593,7 @@
                         </a:rPr>
                         <a:t>+</a:t>
                       </a:r>
-                      <a:endParaRPr kumimoji="0" lang="en-US" sz="1800" b="0" i="0" u="none" strike="noStrike" cap="none" normalizeH="0" baseline="0" dirty="0" smtClean="0">
+                      <a:endParaRPr kumimoji="0" lang="en-US" sz="1800" b="0" i="0" u="none" strike="noStrike" cap="none" normalizeH="0" baseline="0" dirty="0">
                         <a:ln>
                           <a:noFill/>
                         </a:ln>
@@ -10852,7 +10959,7 @@
                               <a:tabLst/>
                             </a:pPr>
                             <a:r>
-                              <a:rPr kumimoji="0" lang="en-US" sz="1600" b="1" i="0" u="none" strike="noStrike" cap="none" normalizeH="0" baseline="0" dirty="0" smtClean="0">
+                              <a:rPr kumimoji="0" lang="en-US" sz="1600" b="1" i="0" u="none" strike="noStrike" cap="none" normalizeH="0" baseline="0" dirty="0">
                                 <a:ln>
                                   <a:noFill/>
                                 </a:ln>
@@ -10866,7 +10973,7 @@
                               </a:rPr>
                               <a:t>T           F</a:t>
                             </a:r>
-                            <a:endParaRPr kumimoji="0" lang="en-US" sz="4000" b="0" i="0" u="none" strike="noStrike" cap="none" normalizeH="0" baseline="0" dirty="0" smtClean="0">
+                            <a:endParaRPr kumimoji="0" lang="en-US" sz="4000" b="0" i="0" u="none" strike="noStrike" cap="none" normalizeH="0" baseline="0" dirty="0">
                               <a:ln>
                                 <a:noFill/>
                               </a:ln>
@@ -11016,7 +11123,7 @@
                           <a:tabLst/>
                         </a:pPr>
                         <a:r>
-                          <a:rPr kumimoji="0" lang="en-US" sz="1400" b="1" i="0" u="none" strike="noStrike" cap="none" normalizeH="0" baseline="0" dirty="0" smtClean="0">
+                          <a:rPr kumimoji="0" lang="en-US" sz="1400" b="1" i="0" u="none" strike="noStrike" cap="none" normalizeH="0" baseline="0" dirty="0">
                             <a:ln>
                               <a:noFill/>
                             </a:ln>
@@ -11030,7 +11137,7 @@
                           </a:rPr>
                           <a:t>0</a:t>
                         </a:r>
-                        <a:endParaRPr kumimoji="0" lang="en-US" sz="1800" b="0" i="0" u="none" strike="noStrike" cap="none" normalizeH="0" baseline="0" dirty="0" smtClean="0">
+                        <a:endParaRPr kumimoji="0" lang="en-US" sz="1800" b="0" i="0" u="none" strike="noStrike" cap="none" normalizeH="0" baseline="0" dirty="0">
                           <a:ln>
                             <a:noFill/>
                           </a:ln>
@@ -11409,7 +11516,7 @@
                       <a:tabLst/>
                     </a:pPr>
                     <a:r>
-                      <a:rPr kumimoji="0" lang="en-US" sz="1400" b="1" i="0" u="none" strike="noStrike" cap="none" normalizeH="0" baseline="0" dirty="0" smtClean="0">
+                      <a:rPr kumimoji="0" lang="en-US" sz="1400" b="1" i="0" u="none" strike="noStrike" cap="none" normalizeH="0" baseline="0" dirty="0">
                         <a:ln>
                           <a:noFill/>
                         </a:ln>
@@ -11423,7 +11530,7 @@
                       </a:rPr>
                       <a:t>1</a:t>
                     </a:r>
-                    <a:endParaRPr kumimoji="0" lang="en-US" sz="1800" b="0" i="0" u="none" strike="noStrike" cap="none" normalizeH="0" baseline="0" dirty="0" smtClean="0">
+                    <a:endParaRPr kumimoji="0" lang="en-US" sz="1800" b="0" i="0" u="none" strike="noStrike" cap="none" normalizeH="0" baseline="0" dirty="0">
                       <a:ln>
                         <a:noFill/>
                       </a:ln>
@@ -11588,7 +11695,7 @@
                       <a:tabLst/>
                     </a:pPr>
                     <a:r>
-                      <a:rPr kumimoji="0" lang="en-US" sz="1400" b="1" i="0" u="none" strike="noStrike" cap="none" normalizeH="0" baseline="0" dirty="0" smtClean="0">
+                      <a:rPr kumimoji="0" lang="en-US" sz="1400" b="1" i="0" u="none" strike="noStrike" cap="none" normalizeH="0" baseline="0" dirty="0">
                         <a:ln>
                           <a:noFill/>
                         </a:ln>
@@ -11602,7 +11709,7 @@
                       </a:rPr>
                       <a:t>N</a:t>
                     </a:r>
-                    <a:endParaRPr kumimoji="0" lang="en-US" sz="3600" b="0" i="0" u="none" strike="noStrike" cap="none" normalizeH="0" baseline="0" dirty="0" smtClean="0">
+                    <a:endParaRPr kumimoji="0" lang="en-US" sz="3600" b="0" i="0" u="none" strike="noStrike" cap="none" normalizeH="0" baseline="0" dirty="0">
                       <a:ln>
                         <a:noFill/>
                       </a:ln>
@@ -11698,7 +11805,7 @@
                   <a:tabLst/>
                 </a:pPr>
                 <a:r>
-                  <a:rPr kumimoji="0" lang="en-US" sz="1600" b="1" i="0" u="none" strike="noStrike" cap="none" normalizeH="0" baseline="0" dirty="0" smtClean="0">
+                  <a:rPr kumimoji="0" lang="en-US" sz="1600" b="1" i="0" u="none" strike="noStrike" cap="none" normalizeH="0" baseline="0" dirty="0">
                     <a:ln>
                       <a:noFill/>
                     </a:ln>
@@ -11712,7 +11819,7 @@
                   </a:rPr>
                   <a:t>n</a:t>
                 </a:r>
-                <a:endParaRPr kumimoji="0" lang="en-US" sz="1800" b="0" i="0" u="none" strike="noStrike" cap="none" normalizeH="0" baseline="0" dirty="0" smtClean="0">
+                <a:endParaRPr kumimoji="0" lang="en-US" sz="1800" b="0" i="0" u="none" strike="noStrike" cap="none" normalizeH="0" baseline="0" dirty="0">
                   <a:ln>
                     <a:noFill/>
                   </a:ln>
@@ -11760,13 +11867,6 @@
   <p:clrMapOvr>
     <a:masterClrMapping/>
   </p:clrMapOvr>
-  <p:timing>
-    <p:tnLst>
-      <p:par>
-        <p:cTn id="1" dur="indefinite" restart="never" nodeType="tmRoot"/>
-      </p:par>
-    </p:tnLst>
-  </p:timing>
 </p:sld>
 </file>
 
@@ -11824,13 +11924,6 @@
   <p:clrMapOvr>
     <a:masterClrMapping/>
   </p:clrMapOvr>
-  <p:timing>
-    <p:tnLst>
-      <p:par>
-        <p:cTn id="1" dur="indefinite" restart="never" nodeType="tmRoot"/>
-      </p:par>
-    </p:tnLst>
-  </p:timing>
 </p:sld>
 </file>
 
@@ -11874,10 +11967,9 @@
           <a:lstStyle/>
           <a:p>
             <a:r>
-              <a:rPr lang="en-US" b="1" dirty="0" smtClean="0"/>
+              <a:rPr lang="en-US" b="1" dirty="0"/>
               <a:t>Static Data Flow Machines</a:t>
             </a:r>
-            <a:endParaRPr lang="en-US" b="1" dirty="0"/>
           </a:p>
         </p:txBody>
       </p:sp>
@@ -11904,58 +11996,57 @@
           <a:lstStyle/>
           <a:p>
             <a:r>
-              <a:rPr lang="en-US" sz="2800" b="1" dirty="0" smtClean="0"/>
+              <a:rPr lang="en-US" sz="2800" b="1" dirty="0"/>
               <a:t>Mismatch between the model and the implementation</a:t>
             </a:r>
           </a:p>
           <a:p>
             <a:pPr lvl="1"/>
             <a:r>
-              <a:rPr lang="en-US" dirty="0" smtClean="0"/>
+              <a:rPr lang="en-US" dirty="0"/>
               <a:t>The model requires unbounded FIFO token queues per arc but the architecture provides storage for one token per arc</a:t>
             </a:r>
           </a:p>
           <a:p>
             <a:pPr lvl="1"/>
             <a:r>
-              <a:rPr lang="en-US" dirty="0" smtClean="0"/>
+              <a:rPr lang="en-US" dirty="0"/>
               <a:t>The architecture does not ensure FIFO order in the reuse of an operand slot</a:t>
             </a:r>
           </a:p>
           <a:p>
             <a:r>
-              <a:rPr lang="en-US" b="1" dirty="0" smtClean="0"/>
+              <a:rPr lang="en-US" b="1" dirty="0"/>
               <a:t>The static model does not support</a:t>
             </a:r>
           </a:p>
           <a:p>
             <a:pPr lvl="1"/>
             <a:r>
-              <a:rPr lang="en-US" dirty="0" smtClean="0"/>
+              <a:rPr lang="en-US" dirty="0"/>
               <a:t>Reentrant code</a:t>
             </a:r>
           </a:p>
           <a:p>
             <a:pPr lvl="2"/>
             <a:r>
-              <a:rPr lang="en-US" dirty="0" smtClean="0"/>
+              <a:rPr lang="en-US" dirty="0"/>
               <a:t>Function calls</a:t>
             </a:r>
           </a:p>
           <a:p>
             <a:pPr lvl="2"/>
             <a:r>
-              <a:rPr lang="en-US" dirty="0" smtClean="0"/>
+              <a:rPr lang="en-US" dirty="0"/>
               <a:t>Loops</a:t>
             </a:r>
           </a:p>
           <a:p>
             <a:pPr lvl="1"/>
             <a:r>
-              <a:rPr lang="en-US" dirty="0" smtClean="0"/>
+              <a:rPr lang="en-US" dirty="0"/>
               <a:t>Data Structures</a:t>
             </a:r>
-            <a:endParaRPr lang="en-US" dirty="0"/>
           </a:p>
         </p:txBody>
       </p:sp>
@@ -11964,13 +12055,6 @@
   <p:clrMapOvr>
     <a:masterClrMapping/>
   </p:clrMapOvr>
-  <p:timing>
-    <p:tnLst>
-      <p:par>
-        <p:cTn id="1" dur="indefinite" restart="never" nodeType="tmRoot"/>
-      </p:par>
-    </p:tnLst>
-  </p:timing>
 </p:sld>
 </file>
 
@@ -12029,13 +12113,6 @@
   <p:clrMapOvr>
     <a:masterClrMapping/>
   </p:clrMapOvr>
-  <p:timing>
-    <p:tnLst>
-      <p:par>
-        <p:cTn id="1" dur="indefinite" restart="never" nodeType="tmRoot"/>
-      </p:par>
-    </p:tnLst>
-  </p:timing>
 </p:sld>
 </file>
 
@@ -12093,13 +12170,6 @@
   <p:clrMapOvr>
     <a:masterClrMapping/>
   </p:clrMapOvr>
-  <p:timing>
-    <p:tnLst>
-      <p:par>
-        <p:cTn id="1" dur="indefinite" restart="never" nodeType="tmRoot"/>
-      </p:par>
-    </p:tnLst>
-  </p:timing>
 </p:sld>
 </file>
 
@@ -12136,10 +12206,9 @@
           <a:lstStyle/>
           <a:p>
             <a:r>
-              <a:rPr lang="en-US" dirty="0" smtClean="0"/>
+              <a:rPr lang="en-US" dirty="0"/>
               <a:t>Different Paradigm</a:t>
             </a:r>
-            <a:endParaRPr lang="en-US" dirty="0"/>
           </a:p>
         </p:txBody>
       </p:sp>
@@ -12161,56 +12230,55 @@
           <a:lstStyle/>
           <a:p>
             <a:r>
-              <a:rPr lang="en-US" dirty="0" smtClean="0"/>
+              <a:rPr lang="en-US" dirty="0"/>
               <a:t>Pipelining</a:t>
             </a:r>
           </a:p>
           <a:p>
             <a:r>
-              <a:rPr lang="en-US" dirty="0" err="1" smtClean="0"/>
+              <a:rPr lang="en-US" dirty="0" err="1"/>
               <a:t>superscaler</a:t>
             </a:r>
-            <a:endParaRPr lang="en-US" dirty="0" smtClean="0"/>
+            <a:endParaRPr lang="en-US" dirty="0"/>
           </a:p>
           <a:p>
             <a:r>
-              <a:rPr lang="en-US" dirty="0" smtClean="0"/>
+              <a:rPr lang="en-US" dirty="0"/>
               <a:t>Out of order execution</a:t>
             </a:r>
           </a:p>
           <a:p>
             <a:r>
-              <a:rPr lang="en-US" dirty="0" smtClean="0"/>
+              <a:rPr lang="en-US" dirty="0"/>
               <a:t>Dataflow (at ISA level)</a:t>
             </a:r>
           </a:p>
           <a:p>
             <a:r>
-              <a:rPr lang="en-US" dirty="0" smtClean="0"/>
+              <a:rPr lang="en-US" dirty="0"/>
               <a:t>SIMD Processing</a:t>
             </a:r>
           </a:p>
           <a:p>
             <a:r>
-              <a:rPr lang="en-US" dirty="0" smtClean="0"/>
+              <a:rPr lang="en-US" dirty="0"/>
               <a:t>VLIW</a:t>
             </a:r>
           </a:p>
           <a:p>
-            <a:endParaRPr lang="en-US" dirty="0" smtClean="0"/>
+            <a:endParaRPr lang="en-US" dirty="0"/>
           </a:p>
           <a:p>
             <a:r>
-              <a:rPr lang="en-US" dirty="0" smtClean="0"/>
+              <a:rPr lang="en-US" dirty="0"/>
               <a:t>Systolic Array</a:t>
             </a:r>
           </a:p>
           <a:p>
             <a:r>
-              <a:rPr lang="en-US" dirty="0" smtClean="0"/>
+              <a:rPr lang="en-US" dirty="0"/>
               <a:t>Decoupled Access Execute</a:t>
             </a:r>
-            <a:endParaRPr lang="en-US" dirty="0"/>
           </a:p>
         </p:txBody>
       </p:sp>
@@ -12219,13 +12287,6 @@
   <p:clrMapOvr>
     <a:masterClrMapping/>
   </p:clrMapOvr>
-  <p:timing>
-    <p:tnLst>
-      <p:par>
-        <p:cTn id="1" dur="indefinite" restart="never" nodeType="tmRoot"/>
-      </p:par>
-    </p:tnLst>
-  </p:timing>
 </p:sld>
 </file>
 
@@ -12283,13 +12344,6 @@
   <p:clrMapOvr>
     <a:masterClrMapping/>
   </p:clrMapOvr>
-  <p:timing>
-    <p:tnLst>
-      <p:par>
-        <p:cTn id="1" dur="indefinite" restart="never" nodeType="tmRoot"/>
-      </p:par>
-    </p:tnLst>
-  </p:timing>
 </p:sld>
 </file>
 
@@ -12347,13 +12401,6 @@
   <p:clrMapOvr>
     <a:masterClrMapping/>
   </p:clrMapOvr>
-  <p:timing>
-    <p:tnLst>
-      <p:par>
-        <p:cTn id="1" dur="indefinite" restart="never" nodeType="tmRoot"/>
-      </p:par>
-    </p:tnLst>
-  </p:timing>
 </p:sld>
 </file>
 
@@ -12417,13 +12464,6 @@
   <p:clrMapOvr>
     <a:masterClrMapping/>
   </p:clrMapOvr>
-  <p:timing>
-    <p:tnLst>
-      <p:par>
-        <p:cTn id="1" dur="indefinite" restart="never" nodeType="tmRoot"/>
-      </p:par>
-    </p:tnLst>
-  </p:timing>
 </p:sld>
 </file>
 
@@ -12467,18 +12507,17 @@
           <a:lstStyle/>
           <a:p>
             <a:r>
-              <a:rPr lang="en-US" b="1" dirty="0" smtClean="0"/>
+              <a:rPr lang="en-US" b="1" dirty="0"/>
               <a:t>Static </a:t>
             </a:r>
             <a:r>
-              <a:rPr lang="en-US" b="1" dirty="0" err="1" smtClean="0"/>
+              <a:rPr lang="en-US" b="1" dirty="0" err="1"/>
               <a:t>vs</a:t>
             </a:r>
             <a:r>
-              <a:rPr lang="en-US" b="1" dirty="0" smtClean="0"/>
+              <a:rPr lang="en-US" b="1" dirty="0"/>
               <a:t> Dynamic Dataflow Machines</a:t>
             </a:r>
-            <a:endParaRPr lang="en-US" b="1" dirty="0"/>
           </a:p>
         </p:txBody>
       </p:sp>
@@ -12522,13 +12561,6 @@
   <p:clrMapOvr>
     <a:masterClrMapping/>
   </p:clrMapOvr>
-  <p:timing>
-    <p:tnLst>
-      <p:par>
-        <p:cTn id="1" dur="indefinite" restart="never" nodeType="tmRoot"/>
-      </p:par>
-    </p:tnLst>
-  </p:timing>
 </p:sld>
 </file>
 
@@ -12572,15 +12604,15 @@
           <a:lstStyle/>
           <a:p>
             <a:r>
-              <a:rPr lang="en-US" sz="2800" dirty="0" smtClean="0"/>
+              <a:rPr lang="en-US" sz="2800" dirty="0"/>
               <a:t>Instructions are fetched and retired in  </a:t>
             </a:r>
             <a:r>
-              <a:rPr lang="en-US" sz="2800" b="1" dirty="0" smtClean="0"/>
+              <a:rPr lang="en-US" sz="2800" b="1" dirty="0"/>
               <a:t>sequential</a:t>
             </a:r>
             <a:r>
-              <a:rPr lang="en-US" sz="2800" dirty="0" smtClean="0"/>
+              <a:rPr lang="en-US" sz="2800" dirty="0"/>
               <a:t>, control flow order. This is part of the Von-Neumann model of computation </a:t>
             </a:r>
           </a:p>
@@ -12589,36 +12621,36 @@
               <a:buNone/>
             </a:pPr>
             <a:r>
-              <a:rPr lang="en-US" sz="1500" b="1" dirty="0" smtClean="0"/>
+              <a:rPr lang="en-US" sz="1500" b="1" dirty="0"/>
               <a:t>(Single program counter, Sequential execution,  Control flow determines fetch, execution, commit order)</a:t>
             </a:r>
-            <a:endParaRPr lang="en-US" sz="2600" b="1" dirty="0" smtClean="0"/>
+            <a:endParaRPr lang="en-US" sz="2600" b="1" dirty="0"/>
           </a:p>
           <a:p>
             <a:r>
-              <a:rPr lang="en-US" sz="2800" dirty="0" smtClean="0"/>
+              <a:rPr lang="en-US" sz="2800" dirty="0"/>
               <a:t>What about out-of-order execution</a:t>
             </a:r>
           </a:p>
           <a:p>
             <a:r>
-              <a:rPr lang="en-US" sz="2800" dirty="0" smtClean="0"/>
+              <a:rPr lang="en-US" sz="2800" dirty="0"/>
               <a:t>Architecture level: Obeys the control-flow model</a:t>
             </a:r>
           </a:p>
           <a:p>
             <a:r>
-              <a:rPr lang="en-US" sz="2800" dirty="0" err="1" smtClean="0"/>
+              <a:rPr lang="en-US" sz="2800" dirty="0" err="1"/>
               <a:t>Uarch</a:t>
             </a:r>
             <a:r>
-              <a:rPr lang="en-US" sz="2800" dirty="0" smtClean="0"/>
+              <a:rPr lang="en-US" sz="2800" dirty="0"/>
               <a:t> level: A window of instructions executed in data-flow order.</a:t>
             </a:r>
           </a:p>
           <a:p>
             <a:r>
-              <a:rPr lang="en-US" sz="2800" dirty="0" smtClean="0"/>
+              <a:rPr lang="en-US" sz="2800" dirty="0"/>
               <a:t>execute an instruction when its operands become available</a:t>
             </a:r>
           </a:p>
@@ -12627,17 +12659,17 @@
               <a:buNone/>
             </a:pPr>
             <a:r>
-              <a:rPr lang="en-US" sz="4400" b="1" dirty="0" smtClean="0"/>
+              <a:rPr lang="en-US" sz="4400" b="1" dirty="0"/>
               <a:t>Data Flow </a:t>
             </a:r>
             <a:r>
-              <a:rPr lang="en-US" sz="4400" b="1" dirty="0" err="1" smtClean="0"/>
+              <a:rPr lang="en-US" sz="4400" b="1" dirty="0" err="1"/>
               <a:t>uArchitecture</a:t>
             </a:r>
-            <a:endParaRPr lang="en-US" sz="4400" b="1" dirty="0" smtClean="0"/>
-          </a:p>
-          <a:p>
-            <a:endParaRPr lang="en-US" dirty="0" smtClean="0"/>
+            <a:endParaRPr lang="en-US" sz="4400" b="1" dirty="0"/>
+          </a:p>
+          <a:p>
+            <a:endParaRPr lang="en-US" dirty="0"/>
           </a:p>
           <a:p>
             <a:endParaRPr lang="en-US" dirty="0"/>
@@ -12649,13 +12681,6 @@
   <p:clrMapOvr>
     <a:masterClrMapping/>
   </p:clrMapOvr>
-  <p:timing>
-    <p:tnLst>
-      <p:par>
-        <p:cTn id="1" dur="indefinite" restart="never" nodeType="tmRoot"/>
-      </p:par>
-    </p:tnLst>
-  </p:timing>
 </p:sld>
 </file>
 
@@ -12694,19 +12719,19 @@
           <a:lstStyle/>
           <a:p>
             <a:r>
-              <a:rPr lang="en-US" sz="3600" b="1" dirty="0" smtClean="0"/>
+              <a:rPr lang="en-US" sz="3600" b="1" dirty="0"/>
               <a:t>Dataflow </a:t>
             </a:r>
             <a:r>
-              <a:rPr lang="en-US" sz="3600" b="1" dirty="0" err="1" smtClean="0"/>
+              <a:rPr lang="en-US" sz="3600" b="1" dirty="0" err="1"/>
               <a:t>Architecture:</a:t>
             </a:r>
             <a:r>
-              <a:rPr lang="en-US" sz="2400" dirty="0" err="1" smtClean="0"/>
+              <a:rPr lang="en-US" sz="2400" dirty="0" err="1"/>
               <a:t>Exploits</a:t>
             </a:r>
             <a:r>
-              <a:rPr lang="en-US" sz="2400" dirty="0" smtClean="0"/>
+              <a:rPr lang="en-US" sz="2400" dirty="0"/>
               <a:t> Irregular Parallelism</a:t>
             </a:r>
             <a:endParaRPr lang="en-US" dirty="0"/>
@@ -12729,46 +12754,45 @@
           <a:lstStyle/>
           <a:p>
             <a:r>
-              <a:rPr lang="en-US" dirty="0" smtClean="0"/>
+              <a:rPr lang="en-US" dirty="0"/>
               <a:t>MUL R1,R2,R3</a:t>
             </a:r>
           </a:p>
           <a:p>
             <a:r>
-              <a:rPr lang="en-US" dirty="0" smtClean="0"/>
+              <a:rPr lang="en-US" dirty="0"/>
               <a:t>ADD  R3,R5,R4</a:t>
             </a:r>
           </a:p>
           <a:p>
             <a:r>
-              <a:rPr lang="en-US" dirty="0" smtClean="0"/>
+              <a:rPr lang="en-US" dirty="0"/>
               <a:t>SUB  R1,R5, R6</a:t>
             </a:r>
           </a:p>
           <a:p>
             <a:r>
-              <a:rPr lang="en-US" dirty="0" smtClean="0"/>
+              <a:rPr lang="en-US" dirty="0"/>
               <a:t>DIVR  R4,R6,R7</a:t>
             </a:r>
           </a:p>
           <a:p>
             <a:r>
-              <a:rPr lang="en-US" dirty="0" smtClean="0"/>
+              <a:rPr lang="en-US" dirty="0"/>
               <a:t>DIVQ  R4,R6,R8</a:t>
             </a:r>
           </a:p>
           <a:p>
             <a:r>
-              <a:rPr lang="en-US" dirty="0" smtClean="0"/>
+              <a:rPr lang="en-US" dirty="0"/>
               <a:t>ADD  R3,R7,R9</a:t>
             </a:r>
           </a:p>
           <a:p>
             <a:r>
-              <a:rPr lang="en-US" dirty="0" smtClean="0"/>
+              <a:rPr lang="en-US" dirty="0"/>
               <a:t>SUB R7,R8,R10</a:t>
             </a:r>
-            <a:endParaRPr lang="en-US" dirty="0"/>
           </a:p>
         </p:txBody>
       </p:sp>
@@ -12809,7 +12833,7 @@
           <a:p>
             <a:pPr algn="ctr"/>
             <a:r>
-              <a:rPr lang="en-US" sz="4000" dirty="0" smtClean="0"/>
+              <a:rPr lang="en-US" sz="4000" dirty="0"/>
               <a:t>*</a:t>
             </a:r>
             <a:endParaRPr lang="en-US" dirty="0"/>
@@ -12853,7 +12877,7 @@
           <a:p>
             <a:pPr algn="ctr"/>
             <a:r>
-              <a:rPr lang="en-US" sz="4000" dirty="0" smtClean="0"/>
+              <a:rPr lang="en-US" sz="4000" dirty="0"/>
               <a:t>-</a:t>
             </a:r>
             <a:endParaRPr lang="en-US" dirty="0"/>
@@ -12897,7 +12921,7 @@
           <a:p>
             <a:pPr algn="ctr"/>
             <a:r>
-              <a:rPr lang="en-US" sz="4000" dirty="0" smtClean="0"/>
+              <a:rPr lang="en-US" sz="4000" dirty="0"/>
               <a:t>+</a:t>
             </a:r>
             <a:endParaRPr lang="en-US" dirty="0"/>
@@ -12941,7 +12965,7 @@
           <a:p>
             <a:pPr algn="ctr"/>
             <a:r>
-              <a:rPr lang="en-US" sz="4000" dirty="0" smtClean="0"/>
+              <a:rPr lang="en-US" sz="4000" dirty="0"/>
               <a:t>+</a:t>
             </a:r>
             <a:endParaRPr lang="en-US" dirty="0"/>
@@ -12985,7 +13009,7 @@
           <a:p>
             <a:pPr algn="ctr"/>
             <a:r>
-              <a:rPr lang="en-US" sz="4000" dirty="0" smtClean="0"/>
+              <a:rPr lang="en-US" sz="4000" dirty="0"/>
               <a:t>-</a:t>
             </a:r>
             <a:endParaRPr lang="en-US" dirty="0"/>
@@ -13029,7 +13053,7 @@
           <a:p>
             <a:pPr algn="ctr"/>
             <a:r>
-              <a:rPr lang="en-US" sz="3200" b="1" dirty="0" smtClean="0"/>
+              <a:rPr lang="en-US" sz="3200" b="1" dirty="0"/>
               <a:t>%</a:t>
             </a:r>
             <a:endParaRPr lang="en-US" b="1" dirty="0"/>
@@ -13073,7 +13097,7 @@
           <a:p>
             <a:pPr algn="ctr"/>
             <a:r>
-              <a:rPr lang="en-US" sz="3200" b="1" dirty="0" smtClean="0"/>
+              <a:rPr lang="en-US" sz="3200" b="1" dirty="0"/>
               <a:t>/</a:t>
             </a:r>
             <a:endParaRPr lang="en-US" b="1" dirty="0"/>
@@ -13277,7 +13301,7 @@
           <a:p>
             <a:pPr algn="ctr"/>
             <a:r>
-              <a:rPr lang="en-US" sz="1600" dirty="0" smtClean="0"/>
+              <a:rPr lang="en-US" sz="1600" dirty="0"/>
               <a:t>R10</a:t>
             </a:r>
             <a:endParaRPr lang="en-US" sz="3200" dirty="0"/>
@@ -13321,7 +13345,7 @@
           <a:p>
             <a:pPr algn="ctr"/>
             <a:r>
-              <a:rPr lang="en-US" sz="1400" dirty="0" smtClean="0"/>
+              <a:rPr lang="en-US" sz="1400" dirty="0"/>
               <a:t>R7</a:t>
             </a:r>
             <a:endParaRPr lang="en-US" sz="2000" dirty="0"/>
@@ -13365,7 +13389,7 @@
           <a:p>
             <a:pPr algn="ctr"/>
             <a:r>
-              <a:rPr lang="en-US" sz="2000" dirty="0" smtClean="0"/>
+              <a:rPr lang="en-US" sz="2000" dirty="0"/>
               <a:t>R6</a:t>
             </a:r>
             <a:endParaRPr lang="en-US" sz="3200" dirty="0"/>
@@ -13409,7 +13433,7 @@
           <a:p>
             <a:pPr algn="ctr"/>
             <a:r>
-              <a:rPr lang="en-US" sz="2000" dirty="0" smtClean="0"/>
+              <a:rPr lang="en-US" sz="2000" dirty="0"/>
               <a:t>R9</a:t>
             </a:r>
             <a:endParaRPr lang="en-US" sz="3200" dirty="0"/>
@@ -13453,7 +13477,7 @@
           <a:p>
             <a:pPr algn="ctr"/>
             <a:r>
-              <a:rPr lang="en-US" sz="1400" dirty="0" smtClean="0"/>
+              <a:rPr lang="en-US" sz="1400" dirty="0"/>
               <a:t>R8</a:t>
             </a:r>
             <a:endParaRPr lang="en-US" sz="3200" dirty="0"/>
@@ -13497,7 +13521,7 @@
           <a:p>
             <a:pPr algn="ctr"/>
             <a:r>
-              <a:rPr lang="en-US" sz="1400" dirty="0" smtClean="0"/>
+              <a:rPr lang="en-US" sz="1400" dirty="0"/>
               <a:t>R4</a:t>
             </a:r>
             <a:endParaRPr lang="en-US" sz="3200" dirty="0"/>
@@ -13541,7 +13565,7 @@
           <a:p>
             <a:pPr algn="ctr"/>
             <a:r>
-              <a:rPr lang="en-US" sz="2000" dirty="0" smtClean="0"/>
+              <a:rPr lang="en-US" sz="2000" dirty="0"/>
               <a:t>R5</a:t>
             </a:r>
             <a:endParaRPr lang="en-US" sz="3200" dirty="0"/>
@@ -13585,7 +13609,7 @@
           <a:p>
             <a:pPr algn="ctr"/>
             <a:r>
-              <a:rPr lang="en-US" sz="2000" dirty="0" smtClean="0"/>
+              <a:rPr lang="en-US" sz="2000" dirty="0"/>
               <a:t>R3</a:t>
             </a:r>
             <a:endParaRPr lang="en-US" sz="3200" dirty="0"/>
@@ -13629,7 +13653,7 @@
           <a:p>
             <a:pPr algn="ctr"/>
             <a:r>
-              <a:rPr lang="en-US" sz="2000" dirty="0" smtClean="0"/>
+              <a:rPr lang="en-US" sz="2000" dirty="0"/>
               <a:t>R2</a:t>
             </a:r>
             <a:endParaRPr lang="en-US" sz="3200" dirty="0"/>
@@ -13673,7 +13697,7 @@
           <a:p>
             <a:pPr algn="ctr"/>
             <a:r>
-              <a:rPr lang="en-US" sz="2000" dirty="0" smtClean="0"/>
+              <a:rPr lang="en-US" sz="2000" dirty="0"/>
               <a:t>R1</a:t>
             </a:r>
             <a:endParaRPr lang="en-US" sz="3200" dirty="0"/>
@@ -14361,13 +14385,6 @@
   <p:clrMapOvr>
     <a:masterClrMapping/>
   </p:clrMapOvr>
-  <p:timing>
-    <p:tnLst>
-      <p:par>
-        <p:cTn id="1" dur="indefinite" restart="never" nodeType="tmRoot"/>
-      </p:par>
-    </p:tnLst>
-  </p:timing>
 </p:sld>
 </file>
 
@@ -14404,10 +14421,9 @@
           <a:lstStyle/>
           <a:p>
             <a:r>
-              <a:rPr lang="en-US" dirty="0" smtClean="0"/>
+              <a:rPr lang="en-US" dirty="0"/>
               <a:t>Compute Units for Dataflow</a:t>
             </a:r>
-            <a:endParaRPr lang="en-US" dirty="0"/>
           </a:p>
         </p:txBody>
       </p:sp>
@@ -14429,19 +14445,19 @@
           <a:lstStyle/>
           <a:p>
             <a:r>
-              <a:rPr lang="en-US" dirty="0" smtClean="0"/>
+              <a:rPr lang="en-US" dirty="0"/>
               <a:t>In a data flow machine, a program consists of data flow nodes</a:t>
             </a:r>
           </a:p>
           <a:p>
             <a:r>
-              <a:rPr lang="en-US" dirty="0" smtClean="0"/>
+              <a:rPr lang="en-US" dirty="0"/>
               <a:t>A data flow node fires (fetched and executed) when all its inputs are ready i.e. when all inputs have tokens</a:t>
             </a:r>
           </a:p>
           <a:p>
             <a:r>
-              <a:rPr lang="en-US" dirty="0" smtClean="0"/>
+              <a:rPr lang="en-US" dirty="0"/>
               <a:t>Data flow node and its ISA representation</a:t>
             </a:r>
           </a:p>
@@ -14449,7 +14465,7 @@
             <a:pPr>
               <a:buNone/>
             </a:pPr>
-            <a:endParaRPr lang="en-US" dirty="0" smtClean="0"/>
+            <a:endParaRPr lang="en-US" dirty="0"/>
           </a:p>
         </p:txBody>
       </p:sp>
@@ -14490,7 +14506,7 @@
           <a:p>
             <a:pPr algn="ctr"/>
             <a:r>
-              <a:rPr lang="en-US" sz="3600" dirty="0" smtClean="0"/>
+              <a:rPr lang="en-US" sz="3600" dirty="0"/>
               <a:t>*</a:t>
             </a:r>
             <a:endParaRPr lang="en-US" dirty="0"/>
@@ -14612,19 +14628,55 @@
         </p:nvGraphicFramePr>
         <p:xfrm>
           <a:off x="2667000" y="5334000"/>
-          <a:ext cx="5334000" cy="297942"/>
+          <a:ext cx="5334000" cy="280480"/>
         </p:xfrm>
         <a:graphic>
           <a:graphicData uri="http://schemas.openxmlformats.org/drawingml/2006/table">
             <a:tbl>
               <a:tblPr/>
               <a:tblGrid>
-                <a:gridCol w="333375"/>
-                <a:gridCol w="333375"/>
-                <a:gridCol w="704850"/>
-                <a:gridCol w="228600"/>
-                <a:gridCol w="666750"/>
-                <a:gridCol w="3067050"/>
+                <a:gridCol w="333375">
+                  <a:extLst>
+                    <a:ext uri="{9D8B030D-6E8A-4147-A177-3AD203B41FA5}">
+                      <a16:colId xmlns:a16="http://schemas.microsoft.com/office/drawing/2014/main" val="20000"/>
+                    </a:ext>
+                  </a:extLst>
+                </a:gridCol>
+                <a:gridCol w="333375">
+                  <a:extLst>
+                    <a:ext uri="{9D8B030D-6E8A-4147-A177-3AD203B41FA5}">
+                      <a16:colId xmlns:a16="http://schemas.microsoft.com/office/drawing/2014/main" val="20001"/>
+                    </a:ext>
+                  </a:extLst>
+                </a:gridCol>
+                <a:gridCol w="704850">
+                  <a:extLst>
+                    <a:ext uri="{9D8B030D-6E8A-4147-A177-3AD203B41FA5}">
+                      <a16:colId xmlns:a16="http://schemas.microsoft.com/office/drawing/2014/main" val="20002"/>
+                    </a:ext>
+                  </a:extLst>
+                </a:gridCol>
+                <a:gridCol w="228600">
+                  <a:extLst>
+                    <a:ext uri="{9D8B030D-6E8A-4147-A177-3AD203B41FA5}">
+                      <a16:colId xmlns:a16="http://schemas.microsoft.com/office/drawing/2014/main" val="20003"/>
+                    </a:ext>
+                  </a:extLst>
+                </a:gridCol>
+                <a:gridCol w="666750">
+                  <a:extLst>
+                    <a:ext uri="{9D8B030D-6E8A-4147-A177-3AD203B41FA5}">
+                      <a16:colId xmlns:a16="http://schemas.microsoft.com/office/drawing/2014/main" val="20004"/>
+                    </a:ext>
+                  </a:extLst>
+                </a:gridCol>
+                <a:gridCol w="3067050">
+                  <a:extLst>
+                    <a:ext uri="{9D8B030D-6E8A-4147-A177-3AD203B41FA5}">
+                      <a16:colId xmlns:a16="http://schemas.microsoft.com/office/drawing/2014/main" val="20005"/>
+                    </a:ext>
+                  </a:extLst>
+                </a:gridCol>
               </a:tblGrid>
               <a:tr h="0">
                 <a:tc>
@@ -15055,6 +15107,11 @@
                     </a:lnB>
                   </a:tcPr>
                 </a:tc>
+                <a:extLst>
+                  <a:ext uri="{0D108BD9-81ED-4DB2-BD59-A6C34878D82A}">
+                    <a16:rowId xmlns:a16="http://schemas.microsoft.com/office/drawing/2014/main" val="10000"/>
+                  </a:ext>
+                </a:extLst>
               </a:tr>
             </a:tbl>
           </a:graphicData>
@@ -15065,13 +15122,6 @@
   <p:clrMapOvr>
     <a:masterClrMapping/>
   </p:clrMapOvr>
-  <p:timing>
-    <p:tnLst>
-      <p:par>
-        <p:cTn id="1" dur="indefinite" restart="never" nodeType="tmRoot"/>
-      </p:par>
-    </p:tnLst>
-  </p:timing>
 </p:sld>
 </file>
 
@@ -15108,10 +15158,9 @@
           <a:lstStyle/>
           <a:p>
             <a:r>
-              <a:rPr lang="en-US" dirty="0" smtClean="0"/>
+              <a:rPr lang="en-US" dirty="0"/>
               <a:t>Data Flow Nodes</a:t>
             </a:r>
-            <a:endParaRPr lang="en-US" dirty="0"/>
           </a:p>
         </p:txBody>
       </p:sp>
@@ -15155,13 +15204,6 @@
   <p:clrMapOvr>
     <a:masterClrMapping/>
   </p:clrMapOvr>
-  <p:timing>
-    <p:tnLst>
-      <p:par>
-        <p:cTn id="1" dur="indefinite" restart="never" nodeType="tmRoot"/>
-      </p:par>
-    </p:tnLst>
-  </p:timing>
 </p:sld>
 </file>
 
@@ -15208,10 +15250,9 @@
               <a:buNone/>
             </a:pPr>
             <a:r>
-              <a:rPr lang="en-US" b="1" dirty="0" smtClean="0"/>
+              <a:rPr lang="en-US" b="1" dirty="0"/>
               <a:t>A small set of dataflow operators can be used to define a general programming language</a:t>
             </a:r>
-            <a:endParaRPr lang="en-US" b="1" dirty="0"/>
           </a:p>
         </p:txBody>
       </p:sp>
@@ -15253,13 +15294,6 @@
   <p:clrMapOvr>
     <a:masterClrMapping/>
   </p:clrMapOvr>
-  <p:timing>
-    <p:tnLst>
-      <p:par>
-        <p:cTn id="1" dur="indefinite" restart="never" nodeType="tmRoot"/>
-      </p:par>
-    </p:tnLst>
-  </p:timing>
 </p:sld>
 </file>
 
@@ -15318,13 +15352,6 @@
   <p:clrMapOvr>
     <a:masterClrMapping/>
   </p:clrMapOvr>
-  <p:timing>
-    <p:tnLst>
-      <p:par>
-        <p:cTn id="1" dur="indefinite" restart="never" nodeType="tmRoot"/>
-      </p:par>
-    </p:tnLst>
-  </p:timing>
 </p:sld>
 </file>
 
@@ -15382,13 +15409,6 @@
   <p:clrMapOvr>
     <a:masterClrMapping/>
   </p:clrMapOvr>
-  <p:timing>
-    <p:tnLst>
-      <p:par>
-        <p:cTn id="1" dur="indefinite" restart="never" nodeType="tmRoot"/>
-      </p:par>
-    </p:tnLst>
-  </p:timing>
 </p:sld>
 </file>
 
